--- a/Presentazione standard2.pptx
+++ b/Presentazione standard2.pptx
@@ -5,10 +5,10 @@
     <p:sldMasterId id="2147483652" r:id="rId4"/>
   </p:sldMasterIdLst>
   <p:notesMasterIdLst>
-    <p:notesMasterId r:id="rId12"/>
+    <p:notesMasterId r:id="rId26"/>
   </p:notesMasterIdLst>
   <p:handoutMasterIdLst>
-    <p:handoutMasterId r:id="rId13"/>
+    <p:handoutMasterId r:id="rId27"/>
   </p:handoutMasterIdLst>
   <p:sldIdLst>
     <p:sldId id="277" r:id="rId5"/>
@@ -16,13 +16,27 @@
     <p:sldId id="279" r:id="rId7"/>
     <p:sldId id="280" r:id="rId8"/>
     <p:sldId id="281" r:id="rId9"/>
-    <p:sldId id="283" r:id="rId10"/>
-    <p:sldId id="282" r:id="rId11"/>
+    <p:sldId id="282" r:id="rId10"/>
+    <p:sldId id="283" r:id="rId11"/>
+    <p:sldId id="284" r:id="rId12"/>
+    <p:sldId id="285" r:id="rId13"/>
+    <p:sldId id="286" r:id="rId14"/>
+    <p:sldId id="287" r:id="rId15"/>
+    <p:sldId id="288" r:id="rId16"/>
+    <p:sldId id="289" r:id="rId17"/>
+    <p:sldId id="290" r:id="rId18"/>
+    <p:sldId id="291" r:id="rId19"/>
+    <p:sldId id="292" r:id="rId20"/>
+    <p:sldId id="293" r:id="rId21"/>
+    <p:sldId id="294" r:id="rId22"/>
+    <p:sldId id="295" r:id="rId23"/>
+    <p:sldId id="297" r:id="rId24"/>
+    <p:sldId id="296" r:id="rId25"/>
   </p:sldIdLst>
   <p:sldSz cx="9144000" cy="6858000" type="screen4x3"/>
   <p:notesSz cx="7099300" cy="10234613"/>
   <p:custDataLst>
-    <p:tags r:id="rId14"/>
+    <p:tags r:id="rId28"/>
   </p:custDataLst>
   <p:defaultTextStyle>
     <a:defPPr>
@@ -5182,6 +5196,1934 @@
 </p:sld>
 </file>
 
+<file path=ppt/slides/slide10.xml><?xml version="1.0" encoding="utf-8"?>
+<p:sld xmlns:a="http://schemas.openxmlformats.org/drawingml/2006/main" xmlns:r="http://schemas.openxmlformats.org/officeDocument/2006/relationships" xmlns:p="http://schemas.openxmlformats.org/presentationml/2006/main">
+  <p:cSld>
+    <p:spTree>
+      <p:nvGrpSpPr>
+        <p:cNvPr id="1" name=""/>
+        <p:cNvGrpSpPr/>
+        <p:nvPr/>
+      </p:nvGrpSpPr>
+      <p:grpSpPr>
+        <a:xfrm>
+          <a:off x="0" y="0"/>
+          <a:ext cx="0" cy="0"/>
+          <a:chOff x="0" y="0"/>
+          <a:chExt cx="0" cy="0"/>
+        </a:xfrm>
+      </p:grpSpPr>
+      <p:sp>
+        <p:nvSpPr>
+          <p:cNvPr id="2" name="Titolo 1"/>
+          <p:cNvSpPr>
+            <a:spLocks noGrp="1"/>
+          </p:cNvSpPr>
+          <p:nvPr>
+            <p:ph type="title"/>
+          </p:nvPr>
+        </p:nvSpPr>
+        <p:spPr/>
+        <p:txBody>
+          <a:bodyPr/>
+          <a:lstStyle/>
+          <a:p>
+            <a:r>
+              <a:rPr lang="it-IT" dirty="0" smtClean="0"/>
+              <a:t>Parte digitale</a:t>
+            </a:r>
+            <a:endParaRPr lang="it-IT" dirty="0"/>
+          </a:p>
+        </p:txBody>
+      </p:sp>
+      <p:sp>
+        <p:nvSpPr>
+          <p:cNvPr id="3" name="Segnaposto contenuto 2"/>
+          <p:cNvSpPr>
+            <a:spLocks noGrp="1"/>
+          </p:cNvSpPr>
+          <p:nvPr>
+            <p:ph idx="1"/>
+          </p:nvPr>
+        </p:nvSpPr>
+        <p:spPr/>
+        <p:txBody>
+          <a:bodyPr/>
+          <a:lstStyle/>
+          <a:p>
+            <a:r>
+              <a:rPr lang="it-IT" sz="2400" dirty="0" smtClean="0"/>
+              <a:t>La parte digitale del sensore è costituita da una scheda di sviluppo NI </a:t>
+            </a:r>
+            <a:r>
+              <a:rPr lang="it-IT" sz="2400" dirty="0" err="1" smtClean="0"/>
+              <a:t>sbRIO</a:t>
+            </a:r>
+            <a:r>
+              <a:rPr lang="it-IT" sz="2400" dirty="0" smtClean="0"/>
+              <a:t> 9636</a:t>
+            </a:r>
+          </a:p>
+          <a:p>
+            <a:r>
+              <a:rPr lang="it-IT" sz="2400" dirty="0" smtClean="0"/>
+              <a:t>La scheda è equipaggiata con un’FPGA ed un microcontrollore</a:t>
+            </a:r>
+          </a:p>
+          <a:p>
+            <a:r>
+              <a:rPr lang="it-IT" sz="2400" dirty="0" smtClean="0"/>
+              <a:t>L’FPGA si occupa di comandare la scheda di conversione, di calcolare l’FFT del segnale acquisito e dell’estrazione del tono fondamentale del segnale</a:t>
+            </a:r>
+          </a:p>
+          <a:p>
+            <a:r>
+              <a:rPr lang="it-IT" sz="2400" dirty="0" smtClean="0"/>
+              <a:t>Il microcontrollore si occupa del calcolo del bin interpolato e del calcolo della distanza </a:t>
+            </a:r>
+            <a:endParaRPr lang="it-IT" sz="2400" dirty="0"/>
+          </a:p>
+        </p:txBody>
+      </p:sp>
+      <p:sp>
+        <p:nvSpPr>
+          <p:cNvPr id="4" name="Segnaposto numero diapositiva 3"/>
+          <p:cNvSpPr>
+            <a:spLocks noGrp="1"/>
+          </p:cNvSpPr>
+          <p:nvPr>
+            <p:ph type="sldNum" sz="quarter" idx="11"/>
+          </p:nvPr>
+        </p:nvSpPr>
+        <p:spPr/>
+        <p:txBody>
+          <a:bodyPr/>
+          <a:lstStyle/>
+          <a:p>
+            <a:fld id="{C503DA3A-0C6B-48FC-931E-2C786AAFD5C1}" type="slidenum">
+              <a:rPr lang="en-US" altLang="nl-NL" smtClean="0"/>
+              <a:pPr/>
+              <a:t>10</a:t>
+            </a:fld>
+            <a:endParaRPr lang="en-US" altLang="nl-NL"/>
+          </a:p>
+        </p:txBody>
+      </p:sp>
+    </p:spTree>
+    <p:extLst>
+      <p:ext uri="{BB962C8B-B14F-4D97-AF65-F5344CB8AC3E}">
+        <p14:creationId xmlns:p14="http://schemas.microsoft.com/office/powerpoint/2010/main" val="594836213"/>
+      </p:ext>
+    </p:extLst>
+  </p:cSld>
+  <p:clrMapOvr>
+    <a:masterClrMapping/>
+  </p:clrMapOvr>
+</p:sld>
+</file>
+
+<file path=ppt/slides/slide11.xml><?xml version="1.0" encoding="utf-8"?>
+<p:sld xmlns:a="http://schemas.openxmlformats.org/drawingml/2006/main" xmlns:r="http://schemas.openxmlformats.org/officeDocument/2006/relationships" xmlns:p="http://schemas.openxmlformats.org/presentationml/2006/main">
+  <p:cSld>
+    <p:spTree>
+      <p:nvGrpSpPr>
+        <p:cNvPr id="1" name=""/>
+        <p:cNvGrpSpPr/>
+        <p:nvPr/>
+      </p:nvGrpSpPr>
+      <p:grpSpPr>
+        <a:xfrm>
+          <a:off x="0" y="0"/>
+          <a:ext cx="0" cy="0"/>
+          <a:chOff x="0" y="0"/>
+          <a:chExt cx="0" cy="0"/>
+        </a:xfrm>
+      </p:grpSpPr>
+      <p:sp>
+        <p:nvSpPr>
+          <p:cNvPr id="2" name="Titolo 1"/>
+          <p:cNvSpPr>
+            <a:spLocks noGrp="1"/>
+          </p:cNvSpPr>
+          <p:nvPr>
+            <p:ph type="title"/>
+          </p:nvPr>
+        </p:nvSpPr>
+        <p:spPr/>
+        <p:txBody>
+          <a:bodyPr/>
+          <a:lstStyle/>
+          <a:p>
+            <a:r>
+              <a:rPr lang="it-IT" dirty="0" smtClean="0"/>
+              <a:t>Scheda di conversione</a:t>
+            </a:r>
+            <a:endParaRPr lang="it-IT" dirty="0"/>
+          </a:p>
+        </p:txBody>
+      </p:sp>
+      <p:sp>
+        <p:nvSpPr>
+          <p:cNvPr id="3" name="Segnaposto contenuto 2"/>
+          <p:cNvSpPr>
+            <a:spLocks noGrp="1"/>
+          </p:cNvSpPr>
+          <p:nvPr>
+            <p:ph idx="1"/>
+          </p:nvPr>
+        </p:nvSpPr>
+        <p:spPr/>
+        <p:txBody>
+          <a:bodyPr/>
+          <a:lstStyle/>
+          <a:p>
+            <a:r>
+              <a:rPr lang="it-IT" dirty="0" smtClean="0"/>
+              <a:t>TODO</a:t>
+            </a:r>
+            <a:endParaRPr lang="it-IT" dirty="0"/>
+          </a:p>
+        </p:txBody>
+      </p:sp>
+      <p:sp>
+        <p:nvSpPr>
+          <p:cNvPr id="4" name="Segnaposto numero diapositiva 3"/>
+          <p:cNvSpPr>
+            <a:spLocks noGrp="1"/>
+          </p:cNvSpPr>
+          <p:nvPr>
+            <p:ph type="sldNum" sz="quarter" idx="11"/>
+          </p:nvPr>
+        </p:nvSpPr>
+        <p:spPr/>
+        <p:txBody>
+          <a:bodyPr/>
+          <a:lstStyle/>
+          <a:p>
+            <a:fld id="{C503DA3A-0C6B-48FC-931E-2C786AAFD5C1}" type="slidenum">
+              <a:rPr lang="en-US" altLang="nl-NL" smtClean="0"/>
+              <a:pPr/>
+              <a:t>11</a:t>
+            </a:fld>
+            <a:endParaRPr lang="en-US" altLang="nl-NL"/>
+          </a:p>
+        </p:txBody>
+      </p:sp>
+    </p:spTree>
+    <p:extLst>
+      <p:ext uri="{BB962C8B-B14F-4D97-AF65-F5344CB8AC3E}">
+        <p14:creationId xmlns:p14="http://schemas.microsoft.com/office/powerpoint/2010/main" val="2372177897"/>
+      </p:ext>
+    </p:extLst>
+  </p:cSld>
+  <p:clrMapOvr>
+    <a:masterClrMapping/>
+  </p:clrMapOvr>
+</p:sld>
+</file>
+
+<file path=ppt/slides/slide12.xml><?xml version="1.0" encoding="utf-8"?>
+<p:sld xmlns:a="http://schemas.openxmlformats.org/drawingml/2006/main" xmlns:r="http://schemas.openxmlformats.org/officeDocument/2006/relationships" xmlns:p="http://schemas.openxmlformats.org/presentationml/2006/main">
+  <p:cSld>
+    <p:spTree>
+      <p:nvGrpSpPr>
+        <p:cNvPr id="1" name=""/>
+        <p:cNvGrpSpPr/>
+        <p:nvPr/>
+      </p:nvGrpSpPr>
+      <p:grpSpPr>
+        <a:xfrm>
+          <a:off x="0" y="0"/>
+          <a:ext cx="0" cy="0"/>
+          <a:chOff x="0" y="0"/>
+          <a:chExt cx="0" cy="0"/>
+        </a:xfrm>
+      </p:grpSpPr>
+      <p:sp>
+        <p:nvSpPr>
+          <p:cNvPr id="2" name="Titolo 1"/>
+          <p:cNvSpPr>
+            <a:spLocks noGrp="1"/>
+          </p:cNvSpPr>
+          <p:nvPr>
+            <p:ph type="title"/>
+          </p:nvPr>
+        </p:nvSpPr>
+        <p:spPr/>
+        <p:txBody>
+          <a:bodyPr/>
+          <a:lstStyle/>
+          <a:p>
+            <a:r>
+              <a:rPr lang="it-IT" dirty="0" smtClean="0"/>
+              <a:t>Indice</a:t>
+            </a:r>
+            <a:endParaRPr lang="it-IT" dirty="0"/>
+          </a:p>
+        </p:txBody>
+      </p:sp>
+      <p:sp>
+        <p:nvSpPr>
+          <p:cNvPr id="3" name="Segnaposto contenuto 2"/>
+          <p:cNvSpPr>
+            <a:spLocks noGrp="1"/>
+          </p:cNvSpPr>
+          <p:nvPr>
+            <p:ph idx="1"/>
+          </p:nvPr>
+        </p:nvSpPr>
+        <p:spPr/>
+        <p:txBody>
+          <a:bodyPr/>
+          <a:lstStyle/>
+          <a:p>
+            <a:r>
+              <a:rPr lang="it-IT" sz="2400" dirty="0" smtClean="0">
+                <a:solidFill>
+                  <a:schemeClr val="bg2">
+                    <a:lumMod val="40000"/>
+                    <a:lumOff val="60000"/>
+                  </a:schemeClr>
+                </a:solidFill>
+              </a:rPr>
+              <a:t>Cos’è l’interferometria</a:t>
+            </a:r>
+          </a:p>
+          <a:p>
+            <a:pPr lvl="1"/>
+            <a:r>
+              <a:rPr lang="it-IT" sz="2000" dirty="0" smtClean="0">
+                <a:solidFill>
+                  <a:schemeClr val="bg2">
+                    <a:lumMod val="40000"/>
+                    <a:lumOff val="60000"/>
+                  </a:schemeClr>
+                </a:solidFill>
+              </a:rPr>
+              <a:t>Interferometria tradizionale</a:t>
+            </a:r>
+          </a:p>
+          <a:p>
+            <a:pPr lvl="1"/>
+            <a:r>
+              <a:rPr lang="it-IT" sz="2000" dirty="0" smtClean="0">
+                <a:solidFill>
+                  <a:schemeClr val="bg2">
+                    <a:lumMod val="40000"/>
+                    <a:lumOff val="60000"/>
+                  </a:schemeClr>
+                </a:solidFill>
+              </a:rPr>
+              <a:t>Interferometria a self-mixing</a:t>
+            </a:r>
+          </a:p>
+          <a:p>
+            <a:r>
+              <a:rPr lang="it-IT" sz="2400" dirty="0" smtClean="0">
+                <a:solidFill>
+                  <a:schemeClr val="bg2">
+                    <a:lumMod val="40000"/>
+                    <a:lumOff val="60000"/>
+                  </a:schemeClr>
+                </a:solidFill>
+              </a:rPr>
+              <a:t>Architettura </a:t>
+            </a:r>
+            <a:r>
+              <a:rPr lang="it-IT" sz="2400" dirty="0" smtClean="0">
+                <a:solidFill>
+                  <a:schemeClr val="bg2">
+                    <a:lumMod val="40000"/>
+                    <a:lumOff val="60000"/>
+                  </a:schemeClr>
+                </a:solidFill>
+              </a:rPr>
+              <a:t>hardware</a:t>
+            </a:r>
+          </a:p>
+          <a:p>
+            <a:pPr lvl="1"/>
+            <a:r>
+              <a:rPr lang="it-IT" sz="2000" dirty="0" smtClean="0">
+                <a:solidFill>
+                  <a:schemeClr val="bg2">
+                    <a:lumMod val="40000"/>
+                    <a:lumOff val="60000"/>
+                  </a:schemeClr>
+                </a:solidFill>
+              </a:rPr>
+              <a:t>Parte </a:t>
+            </a:r>
+            <a:r>
+              <a:rPr lang="it-IT" sz="2000" dirty="0" smtClean="0">
+                <a:solidFill>
+                  <a:schemeClr val="bg2">
+                    <a:lumMod val="40000"/>
+                    <a:lumOff val="60000"/>
+                  </a:schemeClr>
+                </a:solidFill>
+              </a:rPr>
+              <a:t>analogica</a:t>
+            </a:r>
+          </a:p>
+          <a:p>
+            <a:pPr lvl="1"/>
+            <a:r>
+              <a:rPr lang="it-IT" sz="2000" dirty="0" smtClean="0">
+                <a:solidFill>
+                  <a:schemeClr val="bg2">
+                    <a:lumMod val="40000"/>
+                    <a:lumOff val="60000"/>
+                  </a:schemeClr>
+                </a:solidFill>
+              </a:rPr>
+              <a:t>Parte </a:t>
+            </a:r>
+            <a:r>
+              <a:rPr lang="it-IT" sz="2000" dirty="0" smtClean="0">
+                <a:solidFill>
+                  <a:schemeClr val="bg2">
+                    <a:lumMod val="40000"/>
+                    <a:lumOff val="60000"/>
+                  </a:schemeClr>
+                </a:solidFill>
+              </a:rPr>
+              <a:t>digitale</a:t>
+            </a:r>
+          </a:p>
+          <a:p>
+            <a:pPr lvl="1"/>
+            <a:r>
+              <a:rPr lang="it-IT" sz="2000" dirty="0" smtClean="0">
+                <a:solidFill>
+                  <a:schemeClr val="bg2">
+                    <a:lumMod val="40000"/>
+                    <a:lumOff val="60000"/>
+                  </a:schemeClr>
+                </a:solidFill>
+              </a:rPr>
+              <a:t>Scheda di conversione</a:t>
+            </a:r>
+            <a:endParaRPr lang="it-IT" sz="2000" dirty="0" smtClean="0">
+              <a:solidFill>
+                <a:schemeClr val="bg2">
+                  <a:lumMod val="40000"/>
+                  <a:lumOff val="60000"/>
+                </a:schemeClr>
+              </a:solidFill>
+            </a:endParaRPr>
+          </a:p>
+          <a:p>
+            <a:r>
+              <a:rPr lang="it-IT" sz="2400" dirty="0" smtClean="0"/>
+              <a:t>Architettura </a:t>
+            </a:r>
+            <a:r>
+              <a:rPr lang="it-IT" sz="2400" dirty="0" smtClean="0"/>
+              <a:t>software</a:t>
+            </a:r>
+            <a:endParaRPr lang="it-IT" sz="2400" dirty="0" smtClean="0"/>
+          </a:p>
+          <a:p>
+            <a:pPr lvl="1"/>
+            <a:r>
+              <a:rPr lang="it-IT" sz="2000" dirty="0" err="1" smtClean="0"/>
+              <a:t>Firmaware</a:t>
+            </a:r>
+            <a:r>
+              <a:rPr lang="it-IT" sz="2000" dirty="0" smtClean="0"/>
+              <a:t> FPGA</a:t>
+            </a:r>
+          </a:p>
+          <a:p>
+            <a:pPr lvl="1"/>
+            <a:r>
+              <a:rPr lang="it-IT" sz="2000" dirty="0" err="1" smtClean="0"/>
+              <a:t>Firmaware</a:t>
+            </a:r>
+            <a:r>
+              <a:rPr lang="it-IT" sz="2000" dirty="0" smtClean="0"/>
+              <a:t> </a:t>
+            </a:r>
+            <a:r>
+              <a:rPr lang="it-IT" sz="2000" dirty="0" smtClean="0"/>
+              <a:t>microcontrollore</a:t>
+            </a:r>
+          </a:p>
+          <a:p>
+            <a:pPr lvl="1"/>
+            <a:r>
+              <a:rPr lang="it-IT" sz="2000" dirty="0" err="1" smtClean="0"/>
+              <a:t>Analsi</a:t>
+            </a:r>
+            <a:r>
+              <a:rPr lang="it-IT" sz="2000" dirty="0" smtClean="0"/>
+              <a:t> degli algoritmi</a:t>
+            </a:r>
+            <a:endParaRPr lang="it-IT" sz="2000" dirty="0" smtClean="0"/>
+          </a:p>
+          <a:p>
+            <a:r>
+              <a:rPr lang="it-IT" sz="2400" dirty="0" smtClean="0"/>
+              <a:t>Risultati </a:t>
+            </a:r>
+            <a:r>
+              <a:rPr lang="it-IT" sz="2400" dirty="0" smtClean="0"/>
+              <a:t>sperimentali</a:t>
+            </a:r>
+          </a:p>
+          <a:p>
+            <a:r>
+              <a:rPr lang="it-IT" sz="2400" dirty="0" smtClean="0"/>
+              <a:t>Sviluppi futuri e conclusioni</a:t>
+            </a:r>
+            <a:endParaRPr lang="it-IT" sz="2400" dirty="0" smtClean="0"/>
+          </a:p>
+        </p:txBody>
+      </p:sp>
+      <p:sp>
+        <p:nvSpPr>
+          <p:cNvPr id="4" name="Segnaposto numero diapositiva 3"/>
+          <p:cNvSpPr>
+            <a:spLocks noGrp="1"/>
+          </p:cNvSpPr>
+          <p:nvPr>
+            <p:ph type="sldNum" sz="quarter" idx="11"/>
+          </p:nvPr>
+        </p:nvSpPr>
+        <p:spPr/>
+        <p:txBody>
+          <a:bodyPr/>
+          <a:lstStyle/>
+          <a:p>
+            <a:fld id="{C503DA3A-0C6B-48FC-931E-2C786AAFD5C1}" type="slidenum">
+              <a:rPr lang="en-US" altLang="nl-NL" smtClean="0"/>
+              <a:pPr/>
+              <a:t>12</a:t>
+            </a:fld>
+            <a:endParaRPr lang="en-US" altLang="nl-NL"/>
+          </a:p>
+        </p:txBody>
+      </p:sp>
+    </p:spTree>
+    <p:extLst>
+      <p:ext uri="{BB962C8B-B14F-4D97-AF65-F5344CB8AC3E}">
+        <p14:creationId xmlns:p14="http://schemas.microsoft.com/office/powerpoint/2010/main" val="1931562395"/>
+      </p:ext>
+    </p:extLst>
+  </p:cSld>
+  <p:clrMapOvr>
+    <a:masterClrMapping/>
+  </p:clrMapOvr>
+  <p:timing>
+    <p:tnLst>
+      <p:par>
+        <p:cTn id="1" dur="indefinite" restart="never" nodeType="tmRoot"/>
+      </p:par>
+    </p:tnLst>
+  </p:timing>
+</p:sld>
+</file>
+
+<file path=ppt/slides/slide13.xml><?xml version="1.0" encoding="utf-8"?>
+<p:sld xmlns:a="http://schemas.openxmlformats.org/drawingml/2006/main" xmlns:r="http://schemas.openxmlformats.org/officeDocument/2006/relationships" xmlns:p="http://schemas.openxmlformats.org/presentationml/2006/main">
+  <p:cSld>
+    <p:spTree>
+      <p:nvGrpSpPr>
+        <p:cNvPr id="1" name=""/>
+        <p:cNvGrpSpPr/>
+        <p:nvPr/>
+      </p:nvGrpSpPr>
+      <p:grpSpPr>
+        <a:xfrm>
+          <a:off x="0" y="0"/>
+          <a:ext cx="0" cy="0"/>
+          <a:chOff x="0" y="0"/>
+          <a:chExt cx="0" cy="0"/>
+        </a:xfrm>
+      </p:grpSpPr>
+      <p:sp>
+        <p:nvSpPr>
+          <p:cNvPr id="2" name="Titolo 1"/>
+          <p:cNvSpPr>
+            <a:spLocks noGrp="1"/>
+          </p:cNvSpPr>
+          <p:nvPr>
+            <p:ph type="title"/>
+          </p:nvPr>
+        </p:nvSpPr>
+        <p:spPr/>
+        <p:txBody>
+          <a:bodyPr/>
+          <a:lstStyle/>
+          <a:p>
+            <a:r>
+              <a:rPr lang="it-IT" dirty="0" smtClean="0"/>
+              <a:t>Architettura software</a:t>
+            </a:r>
+            <a:endParaRPr lang="it-IT" dirty="0"/>
+          </a:p>
+        </p:txBody>
+      </p:sp>
+      <p:sp>
+        <p:nvSpPr>
+          <p:cNvPr id="3" name="Segnaposto contenuto 2"/>
+          <p:cNvSpPr>
+            <a:spLocks noGrp="1"/>
+          </p:cNvSpPr>
+          <p:nvPr>
+            <p:ph idx="1"/>
+          </p:nvPr>
+        </p:nvSpPr>
+        <p:spPr/>
+        <p:txBody>
+          <a:bodyPr/>
+          <a:lstStyle/>
+          <a:p>
+            <a:r>
+              <a:rPr lang="it-IT" sz="2400" dirty="0" smtClean="0"/>
+              <a:t>Il </a:t>
+            </a:r>
+            <a:r>
+              <a:rPr lang="it-IT" sz="2400" dirty="0" err="1" smtClean="0"/>
+              <a:t>firmaware</a:t>
+            </a:r>
+            <a:r>
+              <a:rPr lang="it-IT" sz="2400" dirty="0" smtClean="0"/>
+              <a:t> dello strumento</a:t>
+            </a:r>
+            <a:br>
+              <a:rPr lang="it-IT" sz="2400" dirty="0" smtClean="0"/>
+            </a:br>
+            <a:r>
+              <a:rPr lang="it-IT" sz="2400" dirty="0" smtClean="0"/>
+              <a:t>è stato sviluppato facendo </a:t>
+            </a:r>
+            <a:br>
+              <a:rPr lang="it-IT" sz="2400" dirty="0" smtClean="0"/>
+            </a:br>
+            <a:r>
+              <a:rPr lang="it-IT" sz="2400" dirty="0" smtClean="0"/>
+              <a:t>uso del linguaggio </a:t>
+            </a:r>
+            <a:r>
+              <a:rPr lang="it-IT" sz="2400" dirty="0" err="1" smtClean="0"/>
+              <a:t>LabVIEW</a:t>
+            </a:r>
+            <a:r>
+              <a:rPr lang="it-IT" sz="2400" dirty="0" smtClean="0"/>
+              <a:t>,</a:t>
+            </a:r>
+            <a:br>
+              <a:rPr lang="it-IT" sz="2400" dirty="0" smtClean="0"/>
+            </a:br>
+            <a:r>
+              <a:rPr lang="it-IT" sz="2400" dirty="0" smtClean="0"/>
+              <a:t>sviluppato da National </a:t>
+            </a:r>
+            <a:br>
+              <a:rPr lang="it-IT" sz="2400" dirty="0" smtClean="0"/>
+            </a:br>
+            <a:r>
+              <a:rPr lang="it-IT" sz="2400" dirty="0" smtClean="0"/>
+              <a:t>Instruments.</a:t>
+            </a:r>
+          </a:p>
+          <a:p>
+            <a:r>
+              <a:rPr lang="it-IT" sz="2400" dirty="0" smtClean="0"/>
+              <a:t>Gli algoritmi sono stati implementati usando la classica struttura a cicli paralleli che si scambiano dati attraverso code. Questo pattern è detto producer-consumer.</a:t>
+            </a:r>
+          </a:p>
+          <a:p>
+            <a:r>
+              <a:rPr lang="it-IT" sz="2400" dirty="0" smtClean="0"/>
+              <a:t>FPGA e microcontrollore scambiano dati con code</a:t>
+            </a:r>
+          </a:p>
+          <a:p>
+            <a:r>
+              <a:rPr lang="it-IT" sz="2400" dirty="0" smtClean="0"/>
+              <a:t>È stato fatto largo uso dell’aritmetica </a:t>
+            </a:r>
+            <a:r>
+              <a:rPr lang="it-IT" sz="2400" dirty="0" err="1" smtClean="0"/>
+              <a:t>fixed</a:t>
+            </a:r>
+            <a:r>
+              <a:rPr lang="it-IT" sz="2400" dirty="0" smtClean="0"/>
+              <a:t> </a:t>
+            </a:r>
+            <a:r>
+              <a:rPr lang="it-IT" sz="2400" dirty="0" err="1" smtClean="0"/>
+              <a:t>point</a:t>
+            </a:r>
+            <a:r>
+              <a:rPr lang="it-IT" sz="2400" dirty="0" smtClean="0"/>
+              <a:t> (a 12 bit) per accelerare la </a:t>
+            </a:r>
+            <a:br>
+              <a:rPr lang="it-IT" sz="2400" dirty="0" smtClean="0"/>
+            </a:br>
+            <a:r>
+              <a:rPr lang="it-IT" sz="2400" dirty="0" smtClean="0"/>
+              <a:t>computazione su FPGA.</a:t>
+            </a:r>
+            <a:endParaRPr lang="it-IT" sz="2400" dirty="0"/>
+          </a:p>
+        </p:txBody>
+      </p:sp>
+      <p:sp>
+        <p:nvSpPr>
+          <p:cNvPr id="4" name="Segnaposto numero diapositiva 3"/>
+          <p:cNvSpPr>
+            <a:spLocks noGrp="1"/>
+          </p:cNvSpPr>
+          <p:nvPr>
+            <p:ph type="sldNum" sz="quarter" idx="11"/>
+          </p:nvPr>
+        </p:nvSpPr>
+        <p:spPr/>
+        <p:txBody>
+          <a:bodyPr/>
+          <a:lstStyle/>
+          <a:p>
+            <a:fld id="{C503DA3A-0C6B-48FC-931E-2C786AAFD5C1}" type="slidenum">
+              <a:rPr lang="en-US" altLang="nl-NL" smtClean="0"/>
+              <a:pPr/>
+              <a:t>13</a:t>
+            </a:fld>
+            <a:endParaRPr lang="en-US" altLang="nl-NL"/>
+          </a:p>
+        </p:txBody>
+      </p:sp>
+      <p:pic>
+        <p:nvPicPr>
+          <p:cNvPr id="5" name="Immagine 4"/>
+          <p:cNvPicPr>
+            <a:picLocks noChangeAspect="1"/>
+          </p:cNvPicPr>
+          <p:nvPr/>
+        </p:nvPicPr>
+        <p:blipFill>
+          <a:blip r:embed="rId2">
+            <a:extLst>
+              <a:ext uri="{28A0092B-C50C-407E-A947-70E740481C1C}">
+                <a14:useLocalDpi xmlns:a14="http://schemas.microsoft.com/office/drawing/2010/main" val="0"/>
+              </a:ext>
+            </a:extLst>
+          </a:blip>
+          <a:stretch>
+            <a:fillRect/>
+          </a:stretch>
+        </p:blipFill>
+        <p:spPr>
+          <a:xfrm>
+            <a:off x="5215013" y="5632622"/>
+            <a:ext cx="3854384" cy="920578"/>
+          </a:xfrm>
+          <a:prstGeom prst="rect">
+            <a:avLst/>
+          </a:prstGeom>
+        </p:spPr>
+      </p:pic>
+      <p:pic>
+        <p:nvPicPr>
+          <p:cNvPr id="6" name="Immagine 5"/>
+          <p:cNvPicPr>
+            <a:picLocks noChangeAspect="1"/>
+          </p:cNvPicPr>
+          <p:nvPr/>
+        </p:nvPicPr>
+        <p:blipFill>
+          <a:blip r:embed="rId3">
+            <a:extLst>
+              <a:ext uri="{28A0092B-C50C-407E-A947-70E740481C1C}">
+                <a14:useLocalDpi xmlns:a14="http://schemas.microsoft.com/office/drawing/2010/main" val="0"/>
+              </a:ext>
+            </a:extLst>
+          </a:blip>
+          <a:stretch>
+            <a:fillRect/>
+          </a:stretch>
+        </p:blipFill>
+        <p:spPr>
+          <a:xfrm>
+            <a:off x="5066270" y="1143000"/>
+            <a:ext cx="4151870" cy="1777366"/>
+          </a:xfrm>
+          <a:prstGeom prst="rect">
+            <a:avLst/>
+          </a:prstGeom>
+        </p:spPr>
+      </p:pic>
+    </p:spTree>
+    <p:extLst>
+      <p:ext uri="{BB962C8B-B14F-4D97-AF65-F5344CB8AC3E}">
+        <p14:creationId xmlns:p14="http://schemas.microsoft.com/office/powerpoint/2010/main" val="2434706310"/>
+      </p:ext>
+    </p:extLst>
+  </p:cSld>
+  <p:clrMapOvr>
+    <a:masterClrMapping/>
+  </p:clrMapOvr>
+  <p:timing>
+    <p:tnLst>
+      <p:par>
+        <p:cTn id="1" dur="indefinite" restart="never" nodeType="tmRoot"/>
+      </p:par>
+    </p:tnLst>
+  </p:timing>
+</p:sld>
+</file>
+
+<file path=ppt/slides/slide14.xml><?xml version="1.0" encoding="utf-8"?>
+<p:sld xmlns:a="http://schemas.openxmlformats.org/drawingml/2006/main" xmlns:r="http://schemas.openxmlformats.org/officeDocument/2006/relationships" xmlns:p="http://schemas.openxmlformats.org/presentationml/2006/main">
+  <p:cSld>
+    <p:spTree>
+      <p:nvGrpSpPr>
+        <p:cNvPr id="1" name=""/>
+        <p:cNvGrpSpPr/>
+        <p:nvPr/>
+      </p:nvGrpSpPr>
+      <p:grpSpPr>
+        <a:xfrm>
+          <a:off x="0" y="0"/>
+          <a:ext cx="0" cy="0"/>
+          <a:chOff x="0" y="0"/>
+          <a:chExt cx="0" cy="0"/>
+        </a:xfrm>
+      </p:grpSpPr>
+      <p:sp>
+        <p:nvSpPr>
+          <p:cNvPr id="2" name="Titolo 1"/>
+          <p:cNvSpPr>
+            <a:spLocks noGrp="1"/>
+          </p:cNvSpPr>
+          <p:nvPr>
+            <p:ph type="title"/>
+          </p:nvPr>
+        </p:nvSpPr>
+        <p:spPr/>
+        <p:txBody>
+          <a:bodyPr/>
+          <a:lstStyle/>
+          <a:p>
+            <a:r>
+              <a:rPr lang="it-IT" dirty="0" err="1" smtClean="0"/>
+              <a:t>Firmaware</a:t>
+            </a:r>
+            <a:r>
+              <a:rPr lang="it-IT" dirty="0" smtClean="0"/>
+              <a:t> FPGA</a:t>
+            </a:r>
+            <a:endParaRPr lang="it-IT" dirty="0"/>
+          </a:p>
+        </p:txBody>
+      </p:sp>
+      <p:sp>
+        <p:nvSpPr>
+          <p:cNvPr id="3" name="Segnaposto contenuto 2"/>
+          <p:cNvSpPr>
+            <a:spLocks noGrp="1"/>
+          </p:cNvSpPr>
+          <p:nvPr>
+            <p:ph idx="1"/>
+          </p:nvPr>
+        </p:nvSpPr>
+        <p:spPr/>
+        <p:txBody>
+          <a:bodyPr/>
+          <a:lstStyle/>
+          <a:p>
+            <a:r>
+              <a:rPr lang="it-IT" sz="2400" dirty="0" smtClean="0"/>
+              <a:t>Si compone di una parte di inizializzazione e di cinque cicli paralleli:</a:t>
+            </a:r>
+          </a:p>
+          <a:p>
+            <a:pPr lvl="1"/>
+            <a:r>
+              <a:rPr lang="it-IT" sz="2000" dirty="0" smtClean="0"/>
+              <a:t>Pilotaggio scheda conversione e</a:t>
+            </a:r>
+            <a:br>
+              <a:rPr lang="it-IT" sz="2000" dirty="0" smtClean="0"/>
+            </a:br>
+            <a:r>
+              <a:rPr lang="it-IT" sz="2000" dirty="0" smtClean="0"/>
+              <a:t>generazione/acquisizione</a:t>
+            </a:r>
+          </a:p>
+          <a:p>
+            <a:pPr lvl="1"/>
+            <a:r>
+              <a:rPr lang="it-IT" sz="2000" dirty="0" smtClean="0"/>
+              <a:t>Lettura della memoria del segnale</a:t>
+            </a:r>
+            <a:br>
+              <a:rPr lang="it-IT" sz="2000" dirty="0" smtClean="0"/>
+            </a:br>
+            <a:r>
+              <a:rPr lang="it-IT" sz="2000" dirty="0" smtClean="0"/>
+              <a:t>di modulazione</a:t>
+            </a:r>
+          </a:p>
+          <a:p>
+            <a:pPr lvl="1"/>
+            <a:r>
+              <a:rPr lang="it-IT" sz="2000" dirty="0" smtClean="0"/>
+              <a:t>Condizionamento digitale del</a:t>
+            </a:r>
+            <a:br>
+              <a:rPr lang="it-IT" sz="2000" dirty="0" smtClean="0"/>
+            </a:br>
+            <a:r>
+              <a:rPr lang="it-IT" sz="2000" dirty="0" smtClean="0"/>
+              <a:t>segnale (sottrazione del fondo e </a:t>
+            </a:r>
+            <a:br>
+              <a:rPr lang="it-IT" sz="2000" dirty="0" smtClean="0"/>
+            </a:br>
+            <a:r>
+              <a:rPr lang="it-IT" sz="2000" dirty="0" smtClean="0"/>
+              <a:t>finestratura) </a:t>
+            </a:r>
+          </a:p>
+          <a:p>
+            <a:pPr lvl="1"/>
+            <a:r>
+              <a:rPr lang="it-IT" sz="2000" dirty="0" smtClean="0"/>
+              <a:t>Computazione della trasformata di </a:t>
+            </a:r>
+            <a:br>
+              <a:rPr lang="it-IT" sz="2000" dirty="0" smtClean="0"/>
+            </a:br>
+            <a:r>
+              <a:rPr lang="it-IT" sz="2000" dirty="0" smtClean="0"/>
+              <a:t>Fourier</a:t>
+            </a:r>
+          </a:p>
+          <a:p>
+            <a:pPr lvl="1"/>
+            <a:r>
+              <a:rPr lang="it-IT" sz="2000" dirty="0" smtClean="0"/>
+              <a:t>Estrazione del tono fondamentale</a:t>
+            </a:r>
+            <a:br>
+              <a:rPr lang="it-IT" sz="2000" dirty="0" smtClean="0"/>
+            </a:br>
+            <a:r>
+              <a:rPr lang="it-IT" sz="2000" dirty="0" smtClean="0"/>
+              <a:t>della trasformata</a:t>
+            </a:r>
+            <a:endParaRPr lang="it-IT" sz="2000" dirty="0"/>
+          </a:p>
+        </p:txBody>
+      </p:sp>
+      <p:sp>
+        <p:nvSpPr>
+          <p:cNvPr id="4" name="Segnaposto numero diapositiva 3"/>
+          <p:cNvSpPr>
+            <a:spLocks noGrp="1"/>
+          </p:cNvSpPr>
+          <p:nvPr>
+            <p:ph type="sldNum" sz="quarter" idx="11"/>
+          </p:nvPr>
+        </p:nvSpPr>
+        <p:spPr/>
+        <p:txBody>
+          <a:bodyPr/>
+          <a:lstStyle/>
+          <a:p>
+            <a:fld id="{C503DA3A-0C6B-48FC-931E-2C786AAFD5C1}" type="slidenum">
+              <a:rPr lang="en-US" altLang="nl-NL" smtClean="0"/>
+              <a:pPr/>
+              <a:t>14</a:t>
+            </a:fld>
+            <a:endParaRPr lang="en-US" altLang="nl-NL"/>
+          </a:p>
+        </p:txBody>
+      </p:sp>
+      <p:pic>
+        <p:nvPicPr>
+          <p:cNvPr id="5" name="Immagine 4"/>
+          <p:cNvPicPr>
+            <a:picLocks noChangeAspect="1"/>
+          </p:cNvPicPr>
+          <p:nvPr/>
+        </p:nvPicPr>
+        <p:blipFill>
+          <a:blip r:embed="rId2">
+            <a:extLst>
+              <a:ext uri="{28A0092B-C50C-407E-A947-70E740481C1C}">
+                <a14:useLocalDpi xmlns:a14="http://schemas.microsoft.com/office/drawing/2010/main" val="0"/>
+              </a:ext>
+            </a:extLst>
+          </a:blip>
+          <a:stretch>
+            <a:fillRect/>
+          </a:stretch>
+        </p:blipFill>
+        <p:spPr>
+          <a:xfrm>
+            <a:off x="5418027" y="2183027"/>
+            <a:ext cx="3719482" cy="4370172"/>
+          </a:xfrm>
+          <a:prstGeom prst="rect">
+            <a:avLst/>
+          </a:prstGeom>
+        </p:spPr>
+      </p:pic>
+    </p:spTree>
+    <p:extLst>
+      <p:ext uri="{BB962C8B-B14F-4D97-AF65-F5344CB8AC3E}">
+        <p14:creationId xmlns:p14="http://schemas.microsoft.com/office/powerpoint/2010/main" val="2462577009"/>
+      </p:ext>
+    </p:extLst>
+  </p:cSld>
+  <p:clrMapOvr>
+    <a:masterClrMapping/>
+  </p:clrMapOvr>
+  <p:timing>
+    <p:tnLst>
+      <p:par>
+        <p:cTn id="1" dur="indefinite" restart="never" nodeType="tmRoot"/>
+      </p:par>
+    </p:tnLst>
+  </p:timing>
+</p:sld>
+</file>
+
+<file path=ppt/slides/slide15.xml><?xml version="1.0" encoding="utf-8"?>
+<p:sld xmlns:a="http://schemas.openxmlformats.org/drawingml/2006/main" xmlns:r="http://schemas.openxmlformats.org/officeDocument/2006/relationships" xmlns:p="http://schemas.openxmlformats.org/presentationml/2006/main">
+  <p:cSld>
+    <p:spTree>
+      <p:nvGrpSpPr>
+        <p:cNvPr id="1" name=""/>
+        <p:cNvGrpSpPr/>
+        <p:nvPr/>
+      </p:nvGrpSpPr>
+      <p:grpSpPr>
+        <a:xfrm>
+          <a:off x="0" y="0"/>
+          <a:ext cx="0" cy="0"/>
+          <a:chOff x="0" y="0"/>
+          <a:chExt cx="0" cy="0"/>
+        </a:xfrm>
+      </p:grpSpPr>
+      <p:sp>
+        <p:nvSpPr>
+          <p:cNvPr id="2" name="Titolo 1"/>
+          <p:cNvSpPr>
+            <a:spLocks noGrp="1"/>
+          </p:cNvSpPr>
+          <p:nvPr>
+            <p:ph type="title"/>
+          </p:nvPr>
+        </p:nvSpPr>
+        <p:spPr/>
+        <p:txBody>
+          <a:bodyPr/>
+          <a:lstStyle/>
+          <a:p>
+            <a:r>
+              <a:rPr lang="it-IT" dirty="0" err="1" smtClean="0"/>
+              <a:t>Firmaware</a:t>
+            </a:r>
+            <a:r>
+              <a:rPr lang="it-IT" dirty="0" smtClean="0"/>
+              <a:t> Microcontrollore</a:t>
+            </a:r>
+            <a:endParaRPr lang="it-IT" dirty="0"/>
+          </a:p>
+        </p:txBody>
+      </p:sp>
+      <p:sp>
+        <p:nvSpPr>
+          <p:cNvPr id="3" name="Segnaposto contenuto 2"/>
+          <p:cNvSpPr>
+            <a:spLocks noGrp="1"/>
+          </p:cNvSpPr>
+          <p:nvPr>
+            <p:ph idx="1"/>
+          </p:nvPr>
+        </p:nvSpPr>
+        <p:spPr/>
+        <p:txBody>
+          <a:bodyPr/>
+          <a:lstStyle/>
+          <a:p>
+            <a:r>
+              <a:rPr lang="it-IT" sz="2400" dirty="0" smtClean="0"/>
+              <a:t>Si compone di una parte di inizializzazione e configurazione dello strumento e da una parte di elaborazione dei dati:</a:t>
+            </a:r>
+          </a:p>
+          <a:p>
+            <a:pPr lvl="1"/>
+            <a:r>
+              <a:rPr lang="it-IT" sz="2000" dirty="0" smtClean="0"/>
+              <a:t>Inizialmente il </a:t>
+            </a:r>
+            <a:r>
+              <a:rPr lang="it-IT" sz="2000" dirty="0" err="1" smtClean="0"/>
+              <a:t>firmaware</a:t>
+            </a:r>
+            <a:r>
+              <a:rPr lang="it-IT" sz="2000" dirty="0" smtClean="0"/>
+              <a:t> legge la configurazione fornita dall’utente e imposta i corretti parametri di funzionamento dell’FPGA</a:t>
+            </a:r>
+          </a:p>
+          <a:p>
+            <a:pPr lvl="1"/>
+            <a:r>
+              <a:rPr lang="it-IT" sz="2000" dirty="0" smtClean="0"/>
+              <a:t>Il secondo passo consiste nell’estrazione del fondo da sottrarre al segnale</a:t>
+            </a:r>
+          </a:p>
+          <a:p>
+            <a:pPr lvl="1"/>
+            <a:r>
+              <a:rPr lang="it-IT" sz="2000" dirty="0" smtClean="0"/>
+              <a:t>Infine ciclicamente si acquisiscono i risultati dell’elaborazione dell’FPGA e si calcola la distanza dal bersaglio.</a:t>
+            </a:r>
+          </a:p>
+        </p:txBody>
+      </p:sp>
+      <p:sp>
+        <p:nvSpPr>
+          <p:cNvPr id="4" name="Segnaposto numero diapositiva 3"/>
+          <p:cNvSpPr>
+            <a:spLocks noGrp="1"/>
+          </p:cNvSpPr>
+          <p:nvPr>
+            <p:ph type="sldNum" sz="quarter" idx="11"/>
+          </p:nvPr>
+        </p:nvSpPr>
+        <p:spPr/>
+        <p:txBody>
+          <a:bodyPr/>
+          <a:lstStyle/>
+          <a:p>
+            <a:fld id="{C503DA3A-0C6B-48FC-931E-2C786AAFD5C1}" type="slidenum">
+              <a:rPr lang="en-US" altLang="nl-NL" smtClean="0"/>
+              <a:pPr/>
+              <a:t>15</a:t>
+            </a:fld>
+            <a:endParaRPr lang="en-US" altLang="nl-NL"/>
+          </a:p>
+        </p:txBody>
+      </p:sp>
+    </p:spTree>
+    <p:extLst>
+      <p:ext uri="{BB962C8B-B14F-4D97-AF65-F5344CB8AC3E}">
+        <p14:creationId xmlns:p14="http://schemas.microsoft.com/office/powerpoint/2010/main" val="3813134160"/>
+      </p:ext>
+    </p:extLst>
+  </p:cSld>
+  <p:clrMapOvr>
+    <a:masterClrMapping/>
+  </p:clrMapOvr>
+</p:sld>
+</file>
+
+<file path=ppt/slides/slide16.xml><?xml version="1.0" encoding="utf-8"?>
+<p:sld xmlns:a="http://schemas.openxmlformats.org/drawingml/2006/main" xmlns:r="http://schemas.openxmlformats.org/officeDocument/2006/relationships" xmlns:p="http://schemas.openxmlformats.org/presentationml/2006/main">
+  <p:cSld>
+    <p:spTree>
+      <p:nvGrpSpPr>
+        <p:cNvPr id="1" name=""/>
+        <p:cNvGrpSpPr/>
+        <p:nvPr/>
+      </p:nvGrpSpPr>
+      <p:grpSpPr>
+        <a:xfrm>
+          <a:off x="0" y="0"/>
+          <a:ext cx="0" cy="0"/>
+          <a:chOff x="0" y="0"/>
+          <a:chExt cx="0" cy="0"/>
+        </a:xfrm>
+      </p:grpSpPr>
+      <p:sp>
+        <p:nvSpPr>
+          <p:cNvPr id="2" name="Titolo 1"/>
+          <p:cNvSpPr>
+            <a:spLocks noGrp="1"/>
+          </p:cNvSpPr>
+          <p:nvPr>
+            <p:ph type="title"/>
+          </p:nvPr>
+        </p:nvSpPr>
+        <p:spPr/>
+        <p:txBody>
+          <a:bodyPr/>
+          <a:lstStyle/>
+          <a:p>
+            <a:r>
+              <a:rPr lang="it-IT" dirty="0" smtClean="0"/>
+              <a:t>Analisi algoritmi implementati</a:t>
+            </a:r>
+            <a:endParaRPr lang="it-IT" dirty="0"/>
+          </a:p>
+        </p:txBody>
+      </p:sp>
+      <p:sp>
+        <p:nvSpPr>
+          <p:cNvPr id="3" name="Segnaposto contenuto 2"/>
+          <p:cNvSpPr>
+            <a:spLocks noGrp="1"/>
+          </p:cNvSpPr>
+          <p:nvPr>
+            <p:ph idx="1"/>
+          </p:nvPr>
+        </p:nvSpPr>
+        <p:spPr/>
+        <p:txBody>
+          <a:bodyPr/>
+          <a:lstStyle/>
+          <a:p>
+            <a:r>
+              <a:rPr lang="it-IT" sz="2400" dirty="0" smtClean="0"/>
+              <a:t>Sottrazione fondo</a:t>
+            </a:r>
+          </a:p>
+          <a:p>
+            <a:r>
+              <a:rPr lang="it-IT" sz="2400" dirty="0" smtClean="0"/>
+              <a:t>Finestratura</a:t>
+            </a:r>
+          </a:p>
+          <a:p>
+            <a:r>
+              <a:rPr lang="it-IT" sz="2400" dirty="0" smtClean="0"/>
+              <a:t>Accenno 5 triangolari</a:t>
+            </a:r>
+          </a:p>
+          <a:p>
+            <a:r>
+              <a:rPr lang="it-IT" sz="2400" dirty="0" smtClean="0"/>
+              <a:t>FFT</a:t>
+            </a:r>
+          </a:p>
+          <a:p>
+            <a:r>
+              <a:rPr lang="it-IT" sz="2400" dirty="0" smtClean="0"/>
+              <a:t>Interpolazione</a:t>
+            </a:r>
+          </a:p>
+          <a:p>
+            <a:r>
+              <a:rPr lang="it-IT" sz="2400" dirty="0" smtClean="0"/>
+              <a:t>Calcolo distanza</a:t>
+            </a:r>
+          </a:p>
+          <a:p>
+            <a:endParaRPr lang="it-IT" sz="2400" dirty="0"/>
+          </a:p>
+          <a:p>
+            <a:r>
+              <a:rPr lang="it-IT" sz="2400" dirty="0" smtClean="0"/>
+              <a:t>TODO!!</a:t>
+            </a:r>
+            <a:endParaRPr lang="it-IT" sz="2400" dirty="0"/>
+          </a:p>
+        </p:txBody>
+      </p:sp>
+      <p:sp>
+        <p:nvSpPr>
+          <p:cNvPr id="4" name="Segnaposto numero diapositiva 3"/>
+          <p:cNvSpPr>
+            <a:spLocks noGrp="1"/>
+          </p:cNvSpPr>
+          <p:nvPr>
+            <p:ph type="sldNum" sz="quarter" idx="11"/>
+          </p:nvPr>
+        </p:nvSpPr>
+        <p:spPr/>
+        <p:txBody>
+          <a:bodyPr/>
+          <a:lstStyle/>
+          <a:p>
+            <a:fld id="{C503DA3A-0C6B-48FC-931E-2C786AAFD5C1}" type="slidenum">
+              <a:rPr lang="en-US" altLang="nl-NL" smtClean="0"/>
+              <a:pPr/>
+              <a:t>16</a:t>
+            </a:fld>
+            <a:endParaRPr lang="en-US" altLang="nl-NL"/>
+          </a:p>
+        </p:txBody>
+      </p:sp>
+    </p:spTree>
+    <p:extLst>
+      <p:ext uri="{BB962C8B-B14F-4D97-AF65-F5344CB8AC3E}">
+        <p14:creationId xmlns:p14="http://schemas.microsoft.com/office/powerpoint/2010/main" val="1116657620"/>
+      </p:ext>
+    </p:extLst>
+  </p:cSld>
+  <p:clrMapOvr>
+    <a:masterClrMapping/>
+  </p:clrMapOvr>
+</p:sld>
+</file>
+
+<file path=ppt/slides/slide17.xml><?xml version="1.0" encoding="utf-8"?>
+<p:sld xmlns:a="http://schemas.openxmlformats.org/drawingml/2006/main" xmlns:r="http://schemas.openxmlformats.org/officeDocument/2006/relationships" xmlns:p="http://schemas.openxmlformats.org/presentationml/2006/main">
+  <p:cSld>
+    <p:spTree>
+      <p:nvGrpSpPr>
+        <p:cNvPr id="1" name=""/>
+        <p:cNvGrpSpPr/>
+        <p:nvPr/>
+      </p:nvGrpSpPr>
+      <p:grpSpPr>
+        <a:xfrm>
+          <a:off x="0" y="0"/>
+          <a:ext cx="0" cy="0"/>
+          <a:chOff x="0" y="0"/>
+          <a:chExt cx="0" cy="0"/>
+        </a:xfrm>
+      </p:grpSpPr>
+      <p:sp>
+        <p:nvSpPr>
+          <p:cNvPr id="2" name="Titolo 1"/>
+          <p:cNvSpPr>
+            <a:spLocks noGrp="1"/>
+          </p:cNvSpPr>
+          <p:nvPr>
+            <p:ph type="title"/>
+          </p:nvPr>
+        </p:nvSpPr>
+        <p:spPr/>
+        <p:txBody>
+          <a:bodyPr/>
+          <a:lstStyle/>
+          <a:p>
+            <a:r>
+              <a:rPr lang="it-IT" dirty="0" smtClean="0"/>
+              <a:t>Indice</a:t>
+            </a:r>
+            <a:endParaRPr lang="it-IT" dirty="0"/>
+          </a:p>
+        </p:txBody>
+      </p:sp>
+      <p:sp>
+        <p:nvSpPr>
+          <p:cNvPr id="3" name="Segnaposto contenuto 2"/>
+          <p:cNvSpPr>
+            <a:spLocks noGrp="1"/>
+          </p:cNvSpPr>
+          <p:nvPr>
+            <p:ph idx="1"/>
+          </p:nvPr>
+        </p:nvSpPr>
+        <p:spPr/>
+        <p:txBody>
+          <a:bodyPr/>
+          <a:lstStyle/>
+          <a:p>
+            <a:r>
+              <a:rPr lang="it-IT" sz="2400" dirty="0" smtClean="0">
+                <a:solidFill>
+                  <a:schemeClr val="bg2">
+                    <a:lumMod val="40000"/>
+                    <a:lumOff val="60000"/>
+                  </a:schemeClr>
+                </a:solidFill>
+              </a:rPr>
+              <a:t>Cos’è l’interferometria</a:t>
+            </a:r>
+          </a:p>
+          <a:p>
+            <a:pPr lvl="1"/>
+            <a:r>
+              <a:rPr lang="it-IT" sz="2000" dirty="0" smtClean="0">
+                <a:solidFill>
+                  <a:schemeClr val="bg2">
+                    <a:lumMod val="40000"/>
+                    <a:lumOff val="60000"/>
+                  </a:schemeClr>
+                </a:solidFill>
+              </a:rPr>
+              <a:t>Interferometria tradizionale</a:t>
+            </a:r>
+          </a:p>
+          <a:p>
+            <a:pPr lvl="1"/>
+            <a:r>
+              <a:rPr lang="it-IT" sz="2000" dirty="0" smtClean="0">
+                <a:solidFill>
+                  <a:schemeClr val="bg2">
+                    <a:lumMod val="40000"/>
+                    <a:lumOff val="60000"/>
+                  </a:schemeClr>
+                </a:solidFill>
+              </a:rPr>
+              <a:t>Interferometria a self-mixing</a:t>
+            </a:r>
+          </a:p>
+          <a:p>
+            <a:r>
+              <a:rPr lang="it-IT" sz="2400" dirty="0" smtClean="0">
+                <a:solidFill>
+                  <a:schemeClr val="bg2">
+                    <a:lumMod val="40000"/>
+                    <a:lumOff val="60000"/>
+                  </a:schemeClr>
+                </a:solidFill>
+              </a:rPr>
+              <a:t>Architettura </a:t>
+            </a:r>
+            <a:r>
+              <a:rPr lang="it-IT" sz="2400" dirty="0" smtClean="0">
+                <a:solidFill>
+                  <a:schemeClr val="bg2">
+                    <a:lumMod val="40000"/>
+                    <a:lumOff val="60000"/>
+                  </a:schemeClr>
+                </a:solidFill>
+              </a:rPr>
+              <a:t>hardware</a:t>
+            </a:r>
+          </a:p>
+          <a:p>
+            <a:pPr lvl="1"/>
+            <a:r>
+              <a:rPr lang="it-IT" sz="2000" dirty="0" smtClean="0">
+                <a:solidFill>
+                  <a:schemeClr val="bg2">
+                    <a:lumMod val="40000"/>
+                    <a:lumOff val="60000"/>
+                  </a:schemeClr>
+                </a:solidFill>
+              </a:rPr>
+              <a:t>Parte </a:t>
+            </a:r>
+            <a:r>
+              <a:rPr lang="it-IT" sz="2000" dirty="0" smtClean="0">
+                <a:solidFill>
+                  <a:schemeClr val="bg2">
+                    <a:lumMod val="40000"/>
+                    <a:lumOff val="60000"/>
+                  </a:schemeClr>
+                </a:solidFill>
+              </a:rPr>
+              <a:t>analogica</a:t>
+            </a:r>
+          </a:p>
+          <a:p>
+            <a:pPr lvl="1"/>
+            <a:r>
+              <a:rPr lang="it-IT" sz="2000" dirty="0" smtClean="0">
+                <a:solidFill>
+                  <a:schemeClr val="bg2">
+                    <a:lumMod val="40000"/>
+                    <a:lumOff val="60000"/>
+                  </a:schemeClr>
+                </a:solidFill>
+              </a:rPr>
+              <a:t>Parte </a:t>
+            </a:r>
+            <a:r>
+              <a:rPr lang="it-IT" sz="2000" dirty="0" smtClean="0">
+                <a:solidFill>
+                  <a:schemeClr val="bg2">
+                    <a:lumMod val="40000"/>
+                    <a:lumOff val="60000"/>
+                  </a:schemeClr>
+                </a:solidFill>
+              </a:rPr>
+              <a:t>digitale</a:t>
+            </a:r>
+          </a:p>
+          <a:p>
+            <a:pPr lvl="1"/>
+            <a:r>
+              <a:rPr lang="it-IT" sz="2000" dirty="0" smtClean="0">
+                <a:solidFill>
+                  <a:schemeClr val="bg2">
+                    <a:lumMod val="40000"/>
+                    <a:lumOff val="60000"/>
+                  </a:schemeClr>
+                </a:solidFill>
+              </a:rPr>
+              <a:t>Scheda di conversione</a:t>
+            </a:r>
+            <a:endParaRPr lang="it-IT" sz="2000" dirty="0" smtClean="0">
+              <a:solidFill>
+                <a:schemeClr val="bg2">
+                  <a:lumMod val="40000"/>
+                  <a:lumOff val="60000"/>
+                </a:schemeClr>
+              </a:solidFill>
+            </a:endParaRPr>
+          </a:p>
+          <a:p>
+            <a:r>
+              <a:rPr lang="it-IT" sz="2400" dirty="0" smtClean="0">
+                <a:solidFill>
+                  <a:schemeClr val="bg2">
+                    <a:lumMod val="40000"/>
+                    <a:lumOff val="60000"/>
+                  </a:schemeClr>
+                </a:solidFill>
+              </a:rPr>
+              <a:t>Architettura </a:t>
+            </a:r>
+            <a:r>
+              <a:rPr lang="it-IT" sz="2400" dirty="0" smtClean="0">
+                <a:solidFill>
+                  <a:schemeClr val="bg2">
+                    <a:lumMod val="40000"/>
+                    <a:lumOff val="60000"/>
+                  </a:schemeClr>
+                </a:solidFill>
+              </a:rPr>
+              <a:t>software</a:t>
+            </a:r>
+            <a:endParaRPr lang="it-IT" sz="2400" dirty="0" smtClean="0">
+              <a:solidFill>
+                <a:schemeClr val="bg2">
+                  <a:lumMod val="40000"/>
+                  <a:lumOff val="60000"/>
+                </a:schemeClr>
+              </a:solidFill>
+            </a:endParaRPr>
+          </a:p>
+          <a:p>
+            <a:pPr lvl="1"/>
+            <a:r>
+              <a:rPr lang="it-IT" sz="2000" dirty="0" err="1" smtClean="0">
+                <a:solidFill>
+                  <a:schemeClr val="bg2">
+                    <a:lumMod val="40000"/>
+                    <a:lumOff val="60000"/>
+                  </a:schemeClr>
+                </a:solidFill>
+              </a:rPr>
+              <a:t>Firmaware</a:t>
+            </a:r>
+            <a:r>
+              <a:rPr lang="it-IT" sz="2000" dirty="0" smtClean="0">
+                <a:solidFill>
+                  <a:schemeClr val="bg2">
+                    <a:lumMod val="40000"/>
+                    <a:lumOff val="60000"/>
+                  </a:schemeClr>
+                </a:solidFill>
+              </a:rPr>
+              <a:t> FPGA</a:t>
+            </a:r>
+          </a:p>
+          <a:p>
+            <a:pPr lvl="1"/>
+            <a:r>
+              <a:rPr lang="it-IT" sz="2000" dirty="0" err="1" smtClean="0">
+                <a:solidFill>
+                  <a:schemeClr val="bg2">
+                    <a:lumMod val="40000"/>
+                    <a:lumOff val="60000"/>
+                  </a:schemeClr>
+                </a:solidFill>
+              </a:rPr>
+              <a:t>Firmaware</a:t>
+            </a:r>
+            <a:r>
+              <a:rPr lang="it-IT" sz="2000" dirty="0" smtClean="0">
+                <a:solidFill>
+                  <a:schemeClr val="bg2">
+                    <a:lumMod val="40000"/>
+                    <a:lumOff val="60000"/>
+                  </a:schemeClr>
+                </a:solidFill>
+              </a:rPr>
+              <a:t> </a:t>
+            </a:r>
+            <a:r>
+              <a:rPr lang="it-IT" sz="2000" dirty="0" smtClean="0">
+                <a:solidFill>
+                  <a:schemeClr val="bg2">
+                    <a:lumMod val="40000"/>
+                    <a:lumOff val="60000"/>
+                  </a:schemeClr>
+                </a:solidFill>
+              </a:rPr>
+              <a:t>microcontrollore</a:t>
+            </a:r>
+          </a:p>
+          <a:p>
+            <a:pPr lvl="1"/>
+            <a:r>
+              <a:rPr lang="it-IT" sz="2000" dirty="0" err="1" smtClean="0">
+                <a:solidFill>
+                  <a:schemeClr val="bg2">
+                    <a:lumMod val="40000"/>
+                    <a:lumOff val="60000"/>
+                  </a:schemeClr>
+                </a:solidFill>
+              </a:rPr>
+              <a:t>Analsi</a:t>
+            </a:r>
+            <a:r>
+              <a:rPr lang="it-IT" sz="2000" dirty="0" smtClean="0">
+                <a:solidFill>
+                  <a:schemeClr val="bg2">
+                    <a:lumMod val="40000"/>
+                    <a:lumOff val="60000"/>
+                  </a:schemeClr>
+                </a:solidFill>
+              </a:rPr>
+              <a:t> degli algoritmi</a:t>
+            </a:r>
+            <a:endParaRPr lang="it-IT" sz="2000" dirty="0" smtClean="0">
+              <a:solidFill>
+                <a:schemeClr val="bg2">
+                  <a:lumMod val="40000"/>
+                  <a:lumOff val="60000"/>
+                </a:schemeClr>
+              </a:solidFill>
+            </a:endParaRPr>
+          </a:p>
+          <a:p>
+            <a:r>
+              <a:rPr lang="it-IT" sz="2400" dirty="0" smtClean="0"/>
+              <a:t>Risultati sperimentali</a:t>
+            </a:r>
+          </a:p>
+          <a:p>
+            <a:r>
+              <a:rPr lang="it-IT" sz="2400" dirty="0" smtClean="0"/>
+              <a:t>Sviluppi futuri e </a:t>
+            </a:r>
+            <a:r>
+              <a:rPr lang="it-IT" sz="2400" dirty="0" err="1" smtClean="0"/>
+              <a:t>conlcusioni</a:t>
+            </a:r>
+            <a:endParaRPr lang="it-IT" sz="2400" dirty="0" smtClean="0"/>
+          </a:p>
+        </p:txBody>
+      </p:sp>
+      <p:sp>
+        <p:nvSpPr>
+          <p:cNvPr id="4" name="Segnaposto numero diapositiva 3"/>
+          <p:cNvSpPr>
+            <a:spLocks noGrp="1"/>
+          </p:cNvSpPr>
+          <p:nvPr>
+            <p:ph type="sldNum" sz="quarter" idx="11"/>
+          </p:nvPr>
+        </p:nvSpPr>
+        <p:spPr/>
+        <p:txBody>
+          <a:bodyPr/>
+          <a:lstStyle/>
+          <a:p>
+            <a:fld id="{C503DA3A-0C6B-48FC-931E-2C786AAFD5C1}" type="slidenum">
+              <a:rPr lang="en-US" altLang="nl-NL" smtClean="0"/>
+              <a:pPr/>
+              <a:t>17</a:t>
+            </a:fld>
+            <a:endParaRPr lang="en-US" altLang="nl-NL"/>
+          </a:p>
+        </p:txBody>
+      </p:sp>
+    </p:spTree>
+    <p:extLst>
+      <p:ext uri="{BB962C8B-B14F-4D97-AF65-F5344CB8AC3E}">
+        <p14:creationId xmlns:p14="http://schemas.microsoft.com/office/powerpoint/2010/main" val="3967324833"/>
+      </p:ext>
+    </p:extLst>
+  </p:cSld>
+  <p:clrMapOvr>
+    <a:masterClrMapping/>
+  </p:clrMapOvr>
+  <p:timing>
+    <p:tnLst>
+      <p:par>
+        <p:cTn id="1" dur="indefinite" restart="never" nodeType="tmRoot"/>
+      </p:par>
+    </p:tnLst>
+  </p:timing>
+</p:sld>
+</file>
+
+<file path=ppt/slides/slide18.xml><?xml version="1.0" encoding="utf-8"?>
+<p:sld xmlns:a="http://schemas.openxmlformats.org/drawingml/2006/main" xmlns:r="http://schemas.openxmlformats.org/officeDocument/2006/relationships" xmlns:p="http://schemas.openxmlformats.org/presentationml/2006/main">
+  <p:cSld>
+    <p:spTree>
+      <p:nvGrpSpPr>
+        <p:cNvPr id="1" name=""/>
+        <p:cNvGrpSpPr/>
+        <p:nvPr/>
+      </p:nvGrpSpPr>
+      <p:grpSpPr>
+        <a:xfrm>
+          <a:off x="0" y="0"/>
+          <a:ext cx="0" cy="0"/>
+          <a:chOff x="0" y="0"/>
+          <a:chExt cx="0" cy="0"/>
+        </a:xfrm>
+      </p:grpSpPr>
+      <p:sp>
+        <p:nvSpPr>
+          <p:cNvPr id="2" name="Titolo 1"/>
+          <p:cNvSpPr>
+            <a:spLocks noGrp="1"/>
+          </p:cNvSpPr>
+          <p:nvPr>
+            <p:ph type="title"/>
+          </p:nvPr>
+        </p:nvSpPr>
+        <p:spPr/>
+        <p:txBody>
+          <a:bodyPr/>
+          <a:lstStyle/>
+          <a:p>
+            <a:r>
+              <a:rPr lang="it-IT" dirty="0" smtClean="0"/>
+              <a:t>Risultati sperimentali</a:t>
+            </a:r>
+            <a:endParaRPr lang="it-IT" dirty="0"/>
+          </a:p>
+        </p:txBody>
+      </p:sp>
+      <p:sp>
+        <p:nvSpPr>
+          <p:cNvPr id="3" name="Segnaposto contenuto 2"/>
+          <p:cNvSpPr>
+            <a:spLocks noGrp="1"/>
+          </p:cNvSpPr>
+          <p:nvPr>
+            <p:ph idx="1"/>
+          </p:nvPr>
+        </p:nvSpPr>
+        <p:spPr/>
+        <p:txBody>
+          <a:bodyPr/>
+          <a:lstStyle/>
+          <a:p>
+            <a:r>
+              <a:rPr lang="it-IT" sz="2400" dirty="0" smtClean="0"/>
+              <a:t>Due tipologie di prove, effettuate ad ogni passo dello sviluppo:</a:t>
+            </a:r>
+          </a:p>
+          <a:p>
+            <a:pPr lvl="1"/>
+            <a:r>
+              <a:rPr lang="it-IT" sz="2000" dirty="0" smtClean="0"/>
+              <a:t>Bersaglio fisso</a:t>
+            </a:r>
+          </a:p>
+          <a:p>
+            <a:pPr lvl="1"/>
+            <a:r>
+              <a:rPr lang="it-IT" sz="2000" dirty="0" smtClean="0"/>
+              <a:t>Bersaglio mobile</a:t>
+            </a:r>
+          </a:p>
+          <a:p>
+            <a:r>
+              <a:rPr lang="it-IT" sz="2400" dirty="0" smtClean="0"/>
+              <a:t>Risultati sintetici:</a:t>
+            </a:r>
+          </a:p>
+          <a:p>
+            <a:pPr lvl="1"/>
+            <a:r>
+              <a:rPr lang="it-IT" sz="2000" dirty="0" smtClean="0"/>
+              <a:t>Inserire dati di tutti i passi</a:t>
+            </a:r>
+            <a:br>
+              <a:rPr lang="it-IT" sz="2000" dirty="0" smtClean="0"/>
+            </a:br>
+            <a:r>
+              <a:rPr lang="it-IT" sz="2000" dirty="0" smtClean="0"/>
+              <a:t>sia per una che per l’altra</a:t>
+            </a:r>
+            <a:br>
+              <a:rPr lang="it-IT" sz="2000" dirty="0" smtClean="0"/>
+            </a:br>
+            <a:r>
+              <a:rPr lang="it-IT" sz="2000" dirty="0" smtClean="0"/>
+              <a:t>prova, poi si commentano a voce</a:t>
+            </a:r>
+            <a:endParaRPr lang="it-IT" sz="2000" dirty="0"/>
+          </a:p>
+        </p:txBody>
+      </p:sp>
+      <p:sp>
+        <p:nvSpPr>
+          <p:cNvPr id="4" name="Segnaposto numero diapositiva 3"/>
+          <p:cNvSpPr>
+            <a:spLocks noGrp="1"/>
+          </p:cNvSpPr>
+          <p:nvPr>
+            <p:ph type="sldNum" sz="quarter" idx="11"/>
+          </p:nvPr>
+        </p:nvSpPr>
+        <p:spPr/>
+        <p:txBody>
+          <a:bodyPr/>
+          <a:lstStyle/>
+          <a:p>
+            <a:fld id="{C503DA3A-0C6B-48FC-931E-2C786AAFD5C1}" type="slidenum">
+              <a:rPr lang="en-US" altLang="nl-NL" smtClean="0"/>
+              <a:pPr/>
+              <a:t>18</a:t>
+            </a:fld>
+            <a:endParaRPr lang="en-US" altLang="nl-NL"/>
+          </a:p>
+        </p:txBody>
+      </p:sp>
+      <p:pic>
+        <p:nvPicPr>
+          <p:cNvPr id="5" name="Immagine 4"/>
+          <p:cNvPicPr>
+            <a:picLocks noChangeAspect="1"/>
+          </p:cNvPicPr>
+          <p:nvPr/>
+        </p:nvPicPr>
+        <p:blipFill>
+          <a:blip r:embed="rId2">
+            <a:extLst>
+              <a:ext uri="{28A0092B-C50C-407E-A947-70E740481C1C}">
+                <a14:useLocalDpi xmlns:a14="http://schemas.microsoft.com/office/drawing/2010/main" val="0"/>
+              </a:ext>
+            </a:extLst>
+          </a:blip>
+          <a:stretch>
+            <a:fillRect/>
+          </a:stretch>
+        </p:blipFill>
+        <p:spPr>
+          <a:xfrm>
+            <a:off x="4514334" y="1707093"/>
+            <a:ext cx="3943865" cy="2162765"/>
+          </a:xfrm>
+          <a:prstGeom prst="rect">
+            <a:avLst/>
+          </a:prstGeom>
+        </p:spPr>
+      </p:pic>
+    </p:spTree>
+    <p:extLst>
+      <p:ext uri="{BB962C8B-B14F-4D97-AF65-F5344CB8AC3E}">
+        <p14:creationId xmlns:p14="http://schemas.microsoft.com/office/powerpoint/2010/main" val="2345925326"/>
+      </p:ext>
+    </p:extLst>
+  </p:cSld>
+  <p:clrMapOvr>
+    <a:masterClrMapping/>
+  </p:clrMapOvr>
+</p:sld>
+</file>
+
+<file path=ppt/slides/slide19.xml><?xml version="1.0" encoding="utf-8"?>
+<p:sld xmlns:a="http://schemas.openxmlformats.org/drawingml/2006/main" xmlns:r="http://schemas.openxmlformats.org/officeDocument/2006/relationships" xmlns:p="http://schemas.openxmlformats.org/presentationml/2006/main">
+  <p:cSld>
+    <p:spTree>
+      <p:nvGrpSpPr>
+        <p:cNvPr id="1" name=""/>
+        <p:cNvGrpSpPr/>
+        <p:nvPr/>
+      </p:nvGrpSpPr>
+      <p:grpSpPr>
+        <a:xfrm>
+          <a:off x="0" y="0"/>
+          <a:ext cx="0" cy="0"/>
+          <a:chOff x="0" y="0"/>
+          <a:chExt cx="0" cy="0"/>
+        </a:xfrm>
+      </p:grpSpPr>
+      <p:sp>
+        <p:nvSpPr>
+          <p:cNvPr id="2" name="Titolo 1"/>
+          <p:cNvSpPr>
+            <a:spLocks noGrp="1"/>
+          </p:cNvSpPr>
+          <p:nvPr>
+            <p:ph type="title"/>
+          </p:nvPr>
+        </p:nvSpPr>
+        <p:spPr/>
+        <p:txBody>
+          <a:bodyPr/>
+          <a:lstStyle/>
+          <a:p>
+            <a:r>
+              <a:rPr lang="it-IT" dirty="0" smtClean="0"/>
+              <a:t>Risultati sperimentali</a:t>
+            </a:r>
+            <a:endParaRPr lang="it-IT" dirty="0"/>
+          </a:p>
+        </p:txBody>
+      </p:sp>
+      <p:sp>
+        <p:nvSpPr>
+          <p:cNvPr id="3" name="Segnaposto contenuto 2"/>
+          <p:cNvSpPr>
+            <a:spLocks noGrp="1"/>
+          </p:cNvSpPr>
+          <p:nvPr>
+            <p:ph idx="1"/>
+          </p:nvPr>
+        </p:nvSpPr>
+        <p:spPr/>
+        <p:txBody>
+          <a:bodyPr/>
+          <a:lstStyle/>
+          <a:p>
+            <a:r>
+              <a:rPr lang="it-IT" sz="2400" dirty="0" smtClean="0"/>
+              <a:t>Prove con la versione finale dello strumento:</a:t>
+            </a:r>
+          </a:p>
+          <a:p>
+            <a:pPr lvl="1"/>
+            <a:r>
+              <a:rPr lang="it-IT" sz="2000" dirty="0" smtClean="0"/>
+              <a:t>Risultati con immagini</a:t>
+            </a:r>
+            <a:endParaRPr lang="it-IT" sz="2000" dirty="0"/>
+          </a:p>
+        </p:txBody>
+      </p:sp>
+      <p:sp>
+        <p:nvSpPr>
+          <p:cNvPr id="4" name="Segnaposto numero diapositiva 3"/>
+          <p:cNvSpPr>
+            <a:spLocks noGrp="1"/>
+          </p:cNvSpPr>
+          <p:nvPr>
+            <p:ph type="sldNum" sz="quarter" idx="11"/>
+          </p:nvPr>
+        </p:nvSpPr>
+        <p:spPr/>
+        <p:txBody>
+          <a:bodyPr/>
+          <a:lstStyle/>
+          <a:p>
+            <a:fld id="{C503DA3A-0C6B-48FC-931E-2C786AAFD5C1}" type="slidenum">
+              <a:rPr lang="en-US" altLang="nl-NL" smtClean="0"/>
+              <a:pPr/>
+              <a:t>19</a:t>
+            </a:fld>
+            <a:endParaRPr lang="en-US" altLang="nl-NL"/>
+          </a:p>
+        </p:txBody>
+      </p:sp>
+    </p:spTree>
+    <p:extLst>
+      <p:ext uri="{BB962C8B-B14F-4D97-AF65-F5344CB8AC3E}">
+        <p14:creationId xmlns:p14="http://schemas.microsoft.com/office/powerpoint/2010/main" val="676223027"/>
+      </p:ext>
+    </p:extLst>
+  </p:cSld>
+  <p:clrMapOvr>
+    <a:masterClrMapping/>
+  </p:clrMapOvr>
+</p:sld>
+</file>
+
 <file path=ppt/slides/slide2.xml><?xml version="1.0" encoding="utf-8"?>
 <p:sld xmlns:a="http://schemas.openxmlformats.org/drawingml/2006/main" xmlns:r="http://schemas.openxmlformats.org/officeDocument/2006/relationships" xmlns:p="http://schemas.openxmlformats.org/presentationml/2006/main">
   <p:cSld>
@@ -5273,8 +7215,20 @@
             <a:pPr lvl="1"/>
             <a:r>
               <a:rPr lang="it-IT" sz="2000" dirty="0" smtClean="0"/>
-              <a:t>Parte digitale</a:t>
-            </a:r>
+              <a:t>Parte </a:t>
+            </a:r>
+            <a:r>
+              <a:rPr lang="it-IT" sz="2000" dirty="0" smtClean="0"/>
+              <a:t>digitale</a:t>
+            </a:r>
+          </a:p>
+          <a:p>
+            <a:pPr lvl="1"/>
+            <a:r>
+              <a:rPr lang="it-IT" sz="2000" dirty="0" smtClean="0"/>
+              <a:t>Scheda di conversione</a:t>
+            </a:r>
+            <a:endParaRPr lang="it-IT" sz="2000" dirty="0" smtClean="0"/>
           </a:p>
           <a:p>
             <a:r>
@@ -5301,29 +7255,32 @@
             </a:r>
             <a:r>
               <a:rPr lang="it-IT" sz="2000" dirty="0" smtClean="0"/>
-              <a:t> microcontrollore</a:t>
-            </a:r>
-          </a:p>
-          <a:p>
-            <a:r>
-              <a:rPr lang="it-IT" sz="2400" dirty="0" smtClean="0"/>
-              <a:t>Risultati e conclusioni</a:t>
+              <a:t> </a:t>
+            </a:r>
+            <a:r>
+              <a:rPr lang="it-IT" sz="2000" dirty="0" smtClean="0"/>
+              <a:t>microcontrollore</a:t>
             </a:r>
           </a:p>
           <a:p>
             <a:pPr lvl="1"/>
             <a:r>
               <a:rPr lang="it-IT" sz="2000" dirty="0" smtClean="0"/>
-              <a:t>Misure sperimentali</a:t>
-            </a:r>
-          </a:p>
-          <a:p>
-            <a:pPr lvl="1"/>
-            <a:r>
-              <a:rPr lang="it-IT" sz="2000" dirty="0" smtClean="0"/>
-              <a:t>Miglioramenti possibili e sviluppi futuri</a:t>
-            </a:r>
-            <a:endParaRPr lang="it-IT" sz="2000" dirty="0"/>
+              <a:t>Analisi degli algoritmi</a:t>
+            </a:r>
+            <a:endParaRPr lang="it-IT" sz="2000" dirty="0" smtClean="0"/>
+          </a:p>
+          <a:p>
+            <a:r>
+              <a:rPr lang="it-IT" sz="2400" dirty="0"/>
+              <a:t>Risultati sperimentali</a:t>
+            </a:r>
+          </a:p>
+          <a:p>
+            <a:r>
+              <a:rPr lang="it-IT" sz="2400" dirty="0"/>
+              <a:t>Sviluppi futuri e conclusioni</a:t>
+            </a:r>
           </a:p>
         </p:txBody>
       </p:sp>
@@ -5355,6 +7312,524 @@
     <p:extLst>
       <p:ext uri="{BB962C8B-B14F-4D97-AF65-F5344CB8AC3E}">
         <p14:creationId xmlns:p14="http://schemas.microsoft.com/office/powerpoint/2010/main" val="3953617699"/>
+      </p:ext>
+    </p:extLst>
+  </p:cSld>
+  <p:clrMapOvr>
+    <a:masterClrMapping/>
+  </p:clrMapOvr>
+</p:sld>
+</file>
+
+<file path=ppt/slides/slide20.xml><?xml version="1.0" encoding="utf-8"?>
+<p:sld xmlns:a="http://schemas.openxmlformats.org/drawingml/2006/main" xmlns:r="http://schemas.openxmlformats.org/officeDocument/2006/relationships" xmlns:p="http://schemas.openxmlformats.org/presentationml/2006/main">
+  <p:cSld>
+    <p:spTree>
+      <p:nvGrpSpPr>
+        <p:cNvPr id="1" name=""/>
+        <p:cNvGrpSpPr/>
+        <p:nvPr/>
+      </p:nvGrpSpPr>
+      <p:grpSpPr>
+        <a:xfrm>
+          <a:off x="0" y="0"/>
+          <a:ext cx="0" cy="0"/>
+          <a:chOff x="0" y="0"/>
+          <a:chExt cx="0" cy="0"/>
+        </a:xfrm>
+      </p:grpSpPr>
+      <p:sp>
+        <p:nvSpPr>
+          <p:cNvPr id="2" name="Titolo 1"/>
+          <p:cNvSpPr>
+            <a:spLocks noGrp="1"/>
+          </p:cNvSpPr>
+          <p:nvPr>
+            <p:ph type="title"/>
+          </p:nvPr>
+        </p:nvSpPr>
+        <p:spPr/>
+        <p:txBody>
+          <a:bodyPr/>
+          <a:lstStyle/>
+          <a:p>
+            <a:r>
+              <a:rPr lang="it-IT" dirty="0" smtClean="0"/>
+              <a:t>Indice</a:t>
+            </a:r>
+            <a:endParaRPr lang="it-IT" dirty="0"/>
+          </a:p>
+        </p:txBody>
+      </p:sp>
+      <p:sp>
+        <p:nvSpPr>
+          <p:cNvPr id="3" name="Segnaposto contenuto 2"/>
+          <p:cNvSpPr>
+            <a:spLocks noGrp="1"/>
+          </p:cNvSpPr>
+          <p:nvPr>
+            <p:ph idx="1"/>
+          </p:nvPr>
+        </p:nvSpPr>
+        <p:spPr/>
+        <p:txBody>
+          <a:bodyPr/>
+          <a:lstStyle/>
+          <a:p>
+            <a:r>
+              <a:rPr lang="it-IT" sz="2400" dirty="0" smtClean="0">
+                <a:solidFill>
+                  <a:schemeClr val="bg2">
+                    <a:lumMod val="40000"/>
+                    <a:lumOff val="60000"/>
+                  </a:schemeClr>
+                </a:solidFill>
+              </a:rPr>
+              <a:t>Cos’è l’interferometria</a:t>
+            </a:r>
+          </a:p>
+          <a:p>
+            <a:pPr lvl="1"/>
+            <a:r>
+              <a:rPr lang="it-IT" sz="2000" dirty="0" smtClean="0">
+                <a:solidFill>
+                  <a:schemeClr val="bg2">
+                    <a:lumMod val="40000"/>
+                    <a:lumOff val="60000"/>
+                  </a:schemeClr>
+                </a:solidFill>
+              </a:rPr>
+              <a:t>Interferometria tradizionale</a:t>
+            </a:r>
+          </a:p>
+          <a:p>
+            <a:pPr lvl="1"/>
+            <a:r>
+              <a:rPr lang="it-IT" sz="2000" dirty="0" smtClean="0">
+                <a:solidFill>
+                  <a:schemeClr val="bg2">
+                    <a:lumMod val="40000"/>
+                    <a:lumOff val="60000"/>
+                  </a:schemeClr>
+                </a:solidFill>
+              </a:rPr>
+              <a:t>Interferometria a self-mixing</a:t>
+            </a:r>
+          </a:p>
+          <a:p>
+            <a:r>
+              <a:rPr lang="it-IT" sz="2400" dirty="0" smtClean="0">
+                <a:solidFill>
+                  <a:schemeClr val="bg2">
+                    <a:lumMod val="40000"/>
+                    <a:lumOff val="60000"/>
+                  </a:schemeClr>
+                </a:solidFill>
+              </a:rPr>
+              <a:t>Architettura </a:t>
+            </a:r>
+            <a:r>
+              <a:rPr lang="it-IT" sz="2400" dirty="0" smtClean="0">
+                <a:solidFill>
+                  <a:schemeClr val="bg2">
+                    <a:lumMod val="40000"/>
+                    <a:lumOff val="60000"/>
+                  </a:schemeClr>
+                </a:solidFill>
+              </a:rPr>
+              <a:t>hardware</a:t>
+            </a:r>
+          </a:p>
+          <a:p>
+            <a:pPr lvl="1"/>
+            <a:r>
+              <a:rPr lang="it-IT" sz="2000" dirty="0" smtClean="0">
+                <a:solidFill>
+                  <a:schemeClr val="bg2">
+                    <a:lumMod val="40000"/>
+                    <a:lumOff val="60000"/>
+                  </a:schemeClr>
+                </a:solidFill>
+              </a:rPr>
+              <a:t>Parte </a:t>
+            </a:r>
+            <a:r>
+              <a:rPr lang="it-IT" sz="2000" dirty="0" smtClean="0">
+                <a:solidFill>
+                  <a:schemeClr val="bg2">
+                    <a:lumMod val="40000"/>
+                    <a:lumOff val="60000"/>
+                  </a:schemeClr>
+                </a:solidFill>
+              </a:rPr>
+              <a:t>analogica</a:t>
+            </a:r>
+          </a:p>
+          <a:p>
+            <a:pPr lvl="1"/>
+            <a:r>
+              <a:rPr lang="it-IT" sz="2000" dirty="0" smtClean="0">
+                <a:solidFill>
+                  <a:schemeClr val="bg2">
+                    <a:lumMod val="40000"/>
+                    <a:lumOff val="60000"/>
+                  </a:schemeClr>
+                </a:solidFill>
+              </a:rPr>
+              <a:t>Parte </a:t>
+            </a:r>
+            <a:r>
+              <a:rPr lang="it-IT" sz="2000" dirty="0" smtClean="0">
+                <a:solidFill>
+                  <a:schemeClr val="bg2">
+                    <a:lumMod val="40000"/>
+                    <a:lumOff val="60000"/>
+                  </a:schemeClr>
+                </a:solidFill>
+              </a:rPr>
+              <a:t>digitale</a:t>
+            </a:r>
+          </a:p>
+          <a:p>
+            <a:pPr lvl="1"/>
+            <a:r>
+              <a:rPr lang="it-IT" sz="2000" dirty="0" smtClean="0">
+                <a:solidFill>
+                  <a:schemeClr val="bg2">
+                    <a:lumMod val="40000"/>
+                    <a:lumOff val="60000"/>
+                  </a:schemeClr>
+                </a:solidFill>
+              </a:rPr>
+              <a:t>Scheda di conversione</a:t>
+            </a:r>
+            <a:endParaRPr lang="it-IT" sz="2000" dirty="0" smtClean="0">
+              <a:solidFill>
+                <a:schemeClr val="bg2">
+                  <a:lumMod val="40000"/>
+                  <a:lumOff val="60000"/>
+                </a:schemeClr>
+              </a:solidFill>
+            </a:endParaRPr>
+          </a:p>
+          <a:p>
+            <a:r>
+              <a:rPr lang="it-IT" sz="2400" dirty="0" smtClean="0">
+                <a:solidFill>
+                  <a:schemeClr val="bg2">
+                    <a:lumMod val="40000"/>
+                    <a:lumOff val="60000"/>
+                  </a:schemeClr>
+                </a:solidFill>
+              </a:rPr>
+              <a:t>Architettura </a:t>
+            </a:r>
+            <a:r>
+              <a:rPr lang="it-IT" sz="2400" dirty="0" smtClean="0">
+                <a:solidFill>
+                  <a:schemeClr val="bg2">
+                    <a:lumMod val="40000"/>
+                    <a:lumOff val="60000"/>
+                  </a:schemeClr>
+                </a:solidFill>
+              </a:rPr>
+              <a:t>software</a:t>
+            </a:r>
+            <a:endParaRPr lang="it-IT" sz="2400" dirty="0" smtClean="0">
+              <a:solidFill>
+                <a:schemeClr val="bg2">
+                  <a:lumMod val="40000"/>
+                  <a:lumOff val="60000"/>
+                </a:schemeClr>
+              </a:solidFill>
+            </a:endParaRPr>
+          </a:p>
+          <a:p>
+            <a:pPr lvl="1"/>
+            <a:r>
+              <a:rPr lang="it-IT" sz="2000" dirty="0" err="1" smtClean="0">
+                <a:solidFill>
+                  <a:schemeClr val="bg2">
+                    <a:lumMod val="40000"/>
+                    <a:lumOff val="60000"/>
+                  </a:schemeClr>
+                </a:solidFill>
+              </a:rPr>
+              <a:t>Firmaware</a:t>
+            </a:r>
+            <a:r>
+              <a:rPr lang="it-IT" sz="2000" dirty="0" smtClean="0">
+                <a:solidFill>
+                  <a:schemeClr val="bg2">
+                    <a:lumMod val="40000"/>
+                    <a:lumOff val="60000"/>
+                  </a:schemeClr>
+                </a:solidFill>
+              </a:rPr>
+              <a:t> FPGA</a:t>
+            </a:r>
+          </a:p>
+          <a:p>
+            <a:pPr lvl="1"/>
+            <a:r>
+              <a:rPr lang="it-IT" sz="2000" dirty="0" err="1" smtClean="0">
+                <a:solidFill>
+                  <a:schemeClr val="bg2">
+                    <a:lumMod val="40000"/>
+                    <a:lumOff val="60000"/>
+                  </a:schemeClr>
+                </a:solidFill>
+              </a:rPr>
+              <a:t>Firmaware</a:t>
+            </a:r>
+            <a:r>
+              <a:rPr lang="it-IT" sz="2000" dirty="0" smtClean="0">
+                <a:solidFill>
+                  <a:schemeClr val="bg2">
+                    <a:lumMod val="40000"/>
+                    <a:lumOff val="60000"/>
+                  </a:schemeClr>
+                </a:solidFill>
+              </a:rPr>
+              <a:t> </a:t>
+            </a:r>
+            <a:r>
+              <a:rPr lang="it-IT" sz="2000" dirty="0" smtClean="0">
+                <a:solidFill>
+                  <a:schemeClr val="bg2">
+                    <a:lumMod val="40000"/>
+                    <a:lumOff val="60000"/>
+                  </a:schemeClr>
+                </a:solidFill>
+              </a:rPr>
+              <a:t>microcontrollore</a:t>
+            </a:r>
+          </a:p>
+          <a:p>
+            <a:pPr lvl="1"/>
+            <a:r>
+              <a:rPr lang="it-IT" sz="2000" dirty="0" err="1" smtClean="0">
+                <a:solidFill>
+                  <a:schemeClr val="bg2">
+                    <a:lumMod val="40000"/>
+                    <a:lumOff val="60000"/>
+                  </a:schemeClr>
+                </a:solidFill>
+              </a:rPr>
+              <a:t>Analsi</a:t>
+            </a:r>
+            <a:r>
+              <a:rPr lang="it-IT" sz="2000" dirty="0" smtClean="0">
+                <a:solidFill>
+                  <a:schemeClr val="bg2">
+                    <a:lumMod val="40000"/>
+                    <a:lumOff val="60000"/>
+                  </a:schemeClr>
+                </a:solidFill>
+              </a:rPr>
+              <a:t> degli algoritmi</a:t>
+            </a:r>
+            <a:endParaRPr lang="it-IT" sz="2000" dirty="0" smtClean="0">
+              <a:solidFill>
+                <a:schemeClr val="bg2">
+                  <a:lumMod val="40000"/>
+                  <a:lumOff val="60000"/>
+                </a:schemeClr>
+              </a:solidFill>
+            </a:endParaRPr>
+          </a:p>
+          <a:p>
+            <a:r>
+              <a:rPr lang="it-IT" sz="2400" dirty="0" smtClean="0">
+                <a:solidFill>
+                  <a:schemeClr val="bg2">
+                    <a:lumMod val="40000"/>
+                    <a:lumOff val="60000"/>
+                  </a:schemeClr>
+                </a:solidFill>
+              </a:rPr>
+              <a:t>Risultati sperimentali</a:t>
+            </a:r>
+          </a:p>
+          <a:p>
+            <a:r>
+              <a:rPr lang="it-IT" sz="2400" dirty="0" smtClean="0"/>
+              <a:t>Sviluppi futuri e </a:t>
+            </a:r>
+            <a:r>
+              <a:rPr lang="it-IT" sz="2400" dirty="0" err="1" smtClean="0"/>
+              <a:t>conlcusioni</a:t>
+            </a:r>
+            <a:endParaRPr lang="it-IT" sz="2400" dirty="0" smtClean="0"/>
+          </a:p>
+        </p:txBody>
+      </p:sp>
+      <p:sp>
+        <p:nvSpPr>
+          <p:cNvPr id="4" name="Segnaposto numero diapositiva 3"/>
+          <p:cNvSpPr>
+            <a:spLocks noGrp="1"/>
+          </p:cNvSpPr>
+          <p:nvPr>
+            <p:ph type="sldNum" sz="quarter" idx="11"/>
+          </p:nvPr>
+        </p:nvSpPr>
+        <p:spPr/>
+        <p:txBody>
+          <a:bodyPr/>
+          <a:lstStyle/>
+          <a:p>
+            <a:fld id="{C503DA3A-0C6B-48FC-931E-2C786AAFD5C1}" type="slidenum">
+              <a:rPr lang="en-US" altLang="nl-NL" smtClean="0"/>
+              <a:pPr/>
+              <a:t>20</a:t>
+            </a:fld>
+            <a:endParaRPr lang="en-US" altLang="nl-NL"/>
+          </a:p>
+        </p:txBody>
+      </p:sp>
+    </p:spTree>
+    <p:extLst>
+      <p:ext uri="{BB962C8B-B14F-4D97-AF65-F5344CB8AC3E}">
+        <p14:creationId xmlns:p14="http://schemas.microsoft.com/office/powerpoint/2010/main" val="2461533339"/>
+      </p:ext>
+    </p:extLst>
+  </p:cSld>
+  <p:clrMapOvr>
+    <a:masterClrMapping/>
+  </p:clrMapOvr>
+  <p:timing>
+    <p:tnLst>
+      <p:par>
+        <p:cTn id="1" dur="indefinite" restart="never" nodeType="tmRoot"/>
+      </p:par>
+    </p:tnLst>
+  </p:timing>
+</p:sld>
+</file>
+
+<file path=ppt/slides/slide21.xml><?xml version="1.0" encoding="utf-8"?>
+<p:sld xmlns:a="http://schemas.openxmlformats.org/drawingml/2006/main" xmlns:r="http://schemas.openxmlformats.org/officeDocument/2006/relationships" xmlns:p="http://schemas.openxmlformats.org/presentationml/2006/main">
+  <p:cSld>
+    <p:spTree>
+      <p:nvGrpSpPr>
+        <p:cNvPr id="1" name=""/>
+        <p:cNvGrpSpPr/>
+        <p:nvPr/>
+      </p:nvGrpSpPr>
+      <p:grpSpPr>
+        <a:xfrm>
+          <a:off x="0" y="0"/>
+          <a:ext cx="0" cy="0"/>
+          <a:chOff x="0" y="0"/>
+          <a:chExt cx="0" cy="0"/>
+        </a:xfrm>
+      </p:grpSpPr>
+      <p:sp>
+        <p:nvSpPr>
+          <p:cNvPr id="2" name="Titolo 1"/>
+          <p:cNvSpPr>
+            <a:spLocks noGrp="1"/>
+          </p:cNvSpPr>
+          <p:nvPr>
+            <p:ph type="title"/>
+          </p:nvPr>
+        </p:nvSpPr>
+        <p:spPr/>
+        <p:txBody>
+          <a:bodyPr/>
+          <a:lstStyle/>
+          <a:p>
+            <a:r>
+              <a:rPr lang="it-IT" dirty="0" smtClean="0"/>
+              <a:t>Conclusioni e sviluppi futuri</a:t>
+            </a:r>
+            <a:endParaRPr lang="it-IT" dirty="0"/>
+          </a:p>
+        </p:txBody>
+      </p:sp>
+      <p:sp>
+        <p:nvSpPr>
+          <p:cNvPr id="3" name="Segnaposto contenuto 2"/>
+          <p:cNvSpPr>
+            <a:spLocks noGrp="1"/>
+          </p:cNvSpPr>
+          <p:nvPr>
+            <p:ph idx="1"/>
+          </p:nvPr>
+        </p:nvSpPr>
+        <p:spPr/>
+        <p:txBody>
+          <a:bodyPr/>
+          <a:lstStyle/>
+          <a:p>
+            <a:r>
+              <a:rPr lang="it-IT" sz="2400" dirty="0" smtClean="0"/>
+              <a:t>I risultati ottenuti mostrano la possibilità di realizzare uno strumento di misura con buone prestazioni e a basso costo, sfruttando la tecnica di interferometria a self-mixing. </a:t>
+            </a:r>
+          </a:p>
+          <a:p>
+            <a:r>
+              <a:rPr lang="it-IT" sz="2400" dirty="0" smtClean="0"/>
+              <a:t>Lo strumento mostra ancora alcuni limiti:</a:t>
+            </a:r>
+          </a:p>
+          <a:p>
+            <a:pPr lvl="1"/>
+            <a:r>
+              <a:rPr lang="it-IT" sz="2000" dirty="0" err="1" smtClean="0"/>
+              <a:t>Drift</a:t>
+            </a:r>
+            <a:r>
+              <a:rPr lang="it-IT" sz="2000" dirty="0" smtClean="0"/>
+              <a:t> termico</a:t>
+            </a:r>
+          </a:p>
+          <a:p>
+            <a:pPr lvl="1"/>
+            <a:r>
+              <a:rPr lang="it-IT" sz="2000" dirty="0" smtClean="0"/>
+              <a:t>Comunicazione tra PC e scheda di sviluppo</a:t>
+            </a:r>
+          </a:p>
+          <a:p>
+            <a:pPr lvl="1"/>
+            <a:r>
+              <a:rPr lang="it-IT" sz="2000" dirty="0" smtClean="0"/>
+              <a:t>Lettura della configurazione da file </a:t>
+            </a:r>
+            <a:endParaRPr lang="it-IT" sz="2000" dirty="0"/>
+          </a:p>
+        </p:txBody>
+      </p:sp>
+      <p:sp>
+        <p:nvSpPr>
+          <p:cNvPr id="4" name="Segnaposto numero diapositiva 3"/>
+          <p:cNvSpPr>
+            <a:spLocks noGrp="1"/>
+          </p:cNvSpPr>
+          <p:nvPr>
+            <p:ph type="sldNum" sz="quarter" idx="11"/>
+          </p:nvPr>
+        </p:nvSpPr>
+        <p:spPr/>
+        <p:txBody>
+          <a:bodyPr/>
+          <a:lstStyle/>
+          <a:p>
+            <a:fld id="{C503DA3A-0C6B-48FC-931E-2C786AAFD5C1}" type="slidenum">
+              <a:rPr lang="en-US" altLang="nl-NL" smtClean="0"/>
+              <a:pPr/>
+              <a:t>21</a:t>
+            </a:fld>
+            <a:endParaRPr lang="en-US" altLang="nl-NL"/>
+          </a:p>
+        </p:txBody>
+      </p:sp>
+    </p:spTree>
+    <p:extLst>
+      <p:ext uri="{BB962C8B-B14F-4D97-AF65-F5344CB8AC3E}">
+        <p14:creationId xmlns:p14="http://schemas.microsoft.com/office/powerpoint/2010/main" val="781321479"/>
       </p:ext>
     </p:extLst>
   </p:cSld>
@@ -5847,10 +8322,13 @@
           <a:lstStyle/>
           <a:p>
             <a:r>
-              <a:rPr lang="it-IT" dirty="0" smtClean="0"/>
-              <a:t>Indice</a:t>
-            </a:r>
-            <a:endParaRPr lang="it-IT" dirty="0"/>
+              <a:rPr lang="it-IT" dirty="0" err="1"/>
+              <a:t>Interfermoetria</a:t>
+            </a:r>
+            <a:r>
+              <a:rPr lang="it-IT" dirty="0"/>
+              <a:t> self-mixing</a:t>
+            </a:r>
           </a:p>
         </p:txBody>
       </p:sp>
@@ -5870,92 +8348,70 @@
           <a:lstStyle/>
           <a:p>
             <a:r>
-              <a:rPr lang="it-IT" sz="2400" strike="sngStrike" dirty="0" smtClean="0"/>
-              <a:t>Cos’è l’interferometria</a:t>
-            </a:r>
-          </a:p>
-          <a:p>
-            <a:pPr lvl="1"/>
-            <a:r>
-              <a:rPr lang="it-IT" sz="2000" strike="sngStrike" dirty="0" smtClean="0"/>
-              <a:t>Interferometria tradizionale</a:t>
-            </a:r>
-          </a:p>
-          <a:p>
-            <a:pPr lvl="1"/>
-            <a:r>
-              <a:rPr lang="it-IT" sz="2000" strike="sngStrike" dirty="0" smtClean="0"/>
-              <a:t>Interferometria a self-mixing</a:t>
-            </a:r>
-          </a:p>
-          <a:p>
-            <a:r>
               <a:rPr lang="it-IT" sz="2400" dirty="0" smtClean="0"/>
-              <a:t>Architettura hardware dello strumento</a:t>
-            </a:r>
-          </a:p>
-          <a:p>
-            <a:pPr lvl="1"/>
-            <a:r>
-              <a:rPr lang="it-IT" sz="2000" dirty="0" smtClean="0"/>
-              <a:t>Parte analogica</a:t>
-            </a:r>
-          </a:p>
-          <a:p>
-            <a:pPr lvl="1"/>
-            <a:r>
-              <a:rPr lang="it-IT" sz="2000" dirty="0" smtClean="0"/>
-              <a:t>Parte digitale</a:t>
-            </a:r>
-          </a:p>
-          <a:p>
-            <a:r>
+              <a:t>L’architettura a self-mixing è </a:t>
+            </a:r>
+            <a:br>
               <a:rPr lang="it-IT" sz="2400" dirty="0" smtClean="0"/>
-              <a:t>Architettura software dello strumento</a:t>
-            </a:r>
-          </a:p>
-          <a:p>
-            <a:pPr lvl="1"/>
-            <a:r>
-              <a:rPr lang="it-IT" sz="2000" dirty="0" err="1" smtClean="0"/>
-              <a:t>Firmaware</a:t>
-            </a:r>
-            <a:r>
-              <a:rPr lang="it-IT" sz="2000" dirty="0" smtClean="0"/>
-              <a:t> FPGA</a:t>
-            </a:r>
-          </a:p>
-          <a:p>
-            <a:pPr lvl="1"/>
-            <a:r>
-              <a:rPr lang="it-IT" sz="2000" dirty="0" err="1" smtClean="0"/>
-              <a:t>Firmaware</a:t>
-            </a:r>
-            <a:r>
-              <a:rPr lang="it-IT" sz="2000" dirty="0" smtClean="0"/>
-              <a:t> microcontrollore</a:t>
-            </a:r>
-          </a:p>
-          <a:p>
+            </a:br>
             <a:r>
               <a:rPr lang="it-IT" sz="2400" dirty="0" smtClean="0"/>
-              <a:t>Risultati e conclusioni</a:t>
-            </a:r>
-          </a:p>
-          <a:p>
-            <a:pPr lvl="1"/>
-            <a:r>
-              <a:rPr lang="it-IT" sz="2000" dirty="0" smtClean="0"/>
-              <a:t>Misure sperimentali</a:t>
-            </a:r>
-          </a:p>
-          <a:p>
-            <a:pPr lvl="1"/>
-            <a:r>
-              <a:rPr lang="it-IT" sz="2000" dirty="0" smtClean="0"/>
-              <a:t>Miglioramenti possibili e sviluppi futuri</a:t>
-            </a:r>
-            <a:endParaRPr lang="it-IT" sz="2000" dirty="0"/>
+              <a:t>formata</a:t>
+            </a:r>
+            <a:r>
+              <a:rPr lang="it-IT" sz="2400" dirty="0"/>
+              <a:t> </a:t>
+            </a:r>
+            <a:r>
+              <a:rPr lang="it-IT" sz="2400" dirty="0" smtClean="0"/>
+              <a:t>da un fotodiodo, una </a:t>
+            </a:r>
+            <a:br>
+              <a:rPr lang="it-IT" sz="2400" dirty="0" smtClean="0"/>
+            </a:br>
+            <a:r>
+              <a:rPr lang="it-IT" sz="2400" dirty="0" err="1" smtClean="0"/>
+              <a:t>serogente</a:t>
+            </a:r>
+            <a:r>
+              <a:rPr lang="it-IT" sz="2400" dirty="0" smtClean="0"/>
+              <a:t> </a:t>
+            </a:r>
+            <a:r>
+              <a:rPr lang="it-IT" sz="2400" dirty="0" err="1" smtClean="0"/>
+              <a:t>lasered</a:t>
+            </a:r>
+            <a:r>
+              <a:rPr lang="it-IT" sz="2400" dirty="0" smtClean="0"/>
+              <a:t> una lente. </a:t>
+            </a:r>
+            <a:br>
+              <a:rPr lang="it-IT" sz="2400" dirty="0" smtClean="0"/>
+            </a:br>
+            <a:r>
+              <a:rPr lang="it-IT" sz="2400" dirty="0" smtClean="0"/>
+              <a:t>Per la misura di distanza si sfrutta la porzione di fascio riflesso dal bersaglio, che rientrando nella cavità laser genera interferenza con l’onda già presente. L’interferenza genera sia un cambiamento di fase che di ampiezza. Lo sfasamento è calcolabile</a:t>
+            </a:r>
+            <a:br>
+              <a:rPr lang="it-IT" sz="2400" dirty="0" smtClean="0"/>
+            </a:br>
+            <a:r>
+              <a:rPr lang="it-IT" sz="2400" dirty="0" smtClean="0"/>
+              <a:t>                                            come </a:t>
+            </a:r>
+            <a:r>
+              <a:rPr lang="el-GR" sz="2400" dirty="0"/>
+              <a:t>ϕ =2</a:t>
+            </a:r>
+            <a:r>
+              <a:rPr lang="it-IT" sz="2400" dirty="0" err="1" smtClean="0"/>
+              <a:t>ks</a:t>
+            </a:r>
+            <a:r>
+              <a:rPr lang="it-IT" sz="2400" dirty="0" smtClean="0"/>
+              <a:t>. </a:t>
+            </a:r>
+            <a:endParaRPr lang="it-IT" sz="2400" dirty="0"/>
           </a:p>
         </p:txBody>
       </p:sp>
@@ -5978,169 +8434,6 @@
               <a:rPr lang="en-US" altLang="nl-NL" smtClean="0"/>
               <a:pPr/>
               <a:t>6</a:t>
-            </a:fld>
-            <a:endParaRPr lang="en-US" altLang="nl-NL"/>
-          </a:p>
-        </p:txBody>
-      </p:sp>
-    </p:spTree>
-    <p:extLst>
-      <p:ext uri="{BB962C8B-B14F-4D97-AF65-F5344CB8AC3E}">
-        <p14:creationId xmlns:p14="http://schemas.microsoft.com/office/powerpoint/2010/main" val="1084510834"/>
-      </p:ext>
-    </p:extLst>
-  </p:cSld>
-  <p:clrMapOvr>
-    <a:masterClrMapping/>
-  </p:clrMapOvr>
-</p:sld>
-</file>
-
-<file path=ppt/slides/slide7.xml><?xml version="1.0" encoding="utf-8"?>
-<p:sld xmlns:a="http://schemas.openxmlformats.org/drawingml/2006/main" xmlns:r="http://schemas.openxmlformats.org/officeDocument/2006/relationships" xmlns:p="http://schemas.openxmlformats.org/presentationml/2006/main">
-  <p:cSld>
-    <p:spTree>
-      <p:nvGrpSpPr>
-        <p:cNvPr id="1" name=""/>
-        <p:cNvGrpSpPr/>
-        <p:nvPr/>
-      </p:nvGrpSpPr>
-      <p:grpSpPr>
-        <a:xfrm>
-          <a:off x="0" y="0"/>
-          <a:ext cx="0" cy="0"/>
-          <a:chOff x="0" y="0"/>
-          <a:chExt cx="0" cy="0"/>
-        </a:xfrm>
-      </p:grpSpPr>
-      <p:sp>
-        <p:nvSpPr>
-          <p:cNvPr id="2" name="Titolo 1"/>
-          <p:cNvSpPr>
-            <a:spLocks noGrp="1"/>
-          </p:cNvSpPr>
-          <p:nvPr>
-            <p:ph type="title"/>
-          </p:nvPr>
-        </p:nvSpPr>
-        <p:spPr/>
-        <p:txBody>
-          <a:bodyPr/>
-          <a:lstStyle/>
-          <a:p>
-            <a:r>
-              <a:rPr lang="it-IT" dirty="0" err="1"/>
-              <a:t>Interfermoetria</a:t>
-            </a:r>
-            <a:r>
-              <a:rPr lang="it-IT" dirty="0"/>
-              <a:t> self-mixing</a:t>
-            </a:r>
-          </a:p>
-        </p:txBody>
-      </p:sp>
-      <p:sp>
-        <p:nvSpPr>
-          <p:cNvPr id="3" name="Segnaposto contenuto 2"/>
-          <p:cNvSpPr>
-            <a:spLocks noGrp="1"/>
-          </p:cNvSpPr>
-          <p:nvPr>
-            <p:ph idx="1"/>
-          </p:nvPr>
-        </p:nvSpPr>
-        <p:spPr/>
-        <p:txBody>
-          <a:bodyPr/>
-          <a:lstStyle/>
-          <a:p>
-            <a:r>
-              <a:rPr lang="it-IT" sz="2400" dirty="0" smtClean="0"/>
-              <a:t>L’architettura a self-mixing è </a:t>
-            </a:r>
-            <a:br>
-              <a:rPr lang="it-IT" sz="2400" dirty="0" smtClean="0"/>
-            </a:br>
-            <a:r>
-              <a:rPr lang="it-IT" sz="2400" dirty="0" smtClean="0"/>
-              <a:t>formata</a:t>
-            </a:r>
-            <a:r>
-              <a:rPr lang="it-IT" sz="2400" dirty="0"/>
-              <a:t> </a:t>
-            </a:r>
-            <a:r>
-              <a:rPr lang="it-IT" sz="2400" dirty="0" smtClean="0"/>
-              <a:t>da un fotodiodo, una </a:t>
-            </a:r>
-            <a:br>
-              <a:rPr lang="it-IT" sz="2400" dirty="0" smtClean="0"/>
-            </a:br>
-            <a:r>
-              <a:rPr lang="it-IT" sz="2400" dirty="0" err="1" smtClean="0"/>
-              <a:t>serogente</a:t>
-            </a:r>
-            <a:r>
-              <a:rPr lang="it-IT" sz="2400" dirty="0" smtClean="0"/>
-              <a:t> </a:t>
-            </a:r>
-            <a:r>
-              <a:rPr lang="it-IT" sz="2400" dirty="0" err="1" smtClean="0"/>
-              <a:t>lasered</a:t>
-            </a:r>
-            <a:r>
-              <a:rPr lang="it-IT" sz="2400" dirty="0" smtClean="0"/>
-              <a:t> una lente. </a:t>
-            </a:r>
-            <a:br>
-              <a:rPr lang="it-IT" sz="2400" dirty="0" smtClean="0"/>
-            </a:br>
-            <a:r>
-              <a:rPr lang="it-IT" sz="2400" dirty="0" smtClean="0"/>
-              <a:t>Per la misura di distanza si sfrutta la porzione di fascio riflesso dal bersaglio, che rientrando nella cavità laser genera interferenza con l’onda già presente. L’interferenza genera sia un cambiamento di fase che di ampiezza. Lo sfasamento è calcolabile</a:t>
-            </a:r>
-            <a:br>
-              <a:rPr lang="it-IT" sz="2400" dirty="0" smtClean="0"/>
-            </a:br>
-            <a:r>
-              <a:rPr lang="it-IT" sz="2400" dirty="0" smtClean="0"/>
-              <a:t>                                            come </a:t>
-            </a:r>
-            <a:r>
-              <a:rPr lang="el-GR" sz="2400" dirty="0"/>
-              <a:t>ϕ =2</a:t>
-            </a:r>
-            <a:r>
-              <a:rPr lang="it-IT" sz="2400" dirty="0" err="1" smtClean="0"/>
-              <a:t>ks</a:t>
-            </a:r>
-            <a:r>
-              <a:rPr lang="it-IT" sz="2400" dirty="0" smtClean="0"/>
-              <a:t>. </a:t>
-            </a:r>
-            <a:endParaRPr lang="it-IT" sz="2400" dirty="0"/>
-          </a:p>
-        </p:txBody>
-      </p:sp>
-      <p:sp>
-        <p:nvSpPr>
-          <p:cNvPr id="4" name="Segnaposto numero diapositiva 3"/>
-          <p:cNvSpPr>
-            <a:spLocks noGrp="1"/>
-          </p:cNvSpPr>
-          <p:nvPr>
-            <p:ph type="sldNum" sz="quarter" idx="11"/>
-          </p:nvPr>
-        </p:nvSpPr>
-        <p:spPr/>
-        <p:txBody>
-          <a:bodyPr/>
-          <a:lstStyle/>
-          <a:p>
-            <a:fld id="{C503DA3A-0C6B-48FC-931E-2C786AAFD5C1}" type="slidenum">
-              <a:rPr lang="en-US" altLang="nl-NL" smtClean="0"/>
-              <a:pPr/>
-              <a:t>7</a:t>
             </a:fld>
             <a:endParaRPr lang="en-US" altLang="nl-NL"/>
           </a:p>
@@ -6210,6 +8503,455 @@
     <p:extLst>
       <p:ext uri="{BB962C8B-B14F-4D97-AF65-F5344CB8AC3E}">
         <p14:creationId xmlns:p14="http://schemas.microsoft.com/office/powerpoint/2010/main" val="4202686"/>
+      </p:ext>
+    </p:extLst>
+  </p:cSld>
+  <p:clrMapOvr>
+    <a:masterClrMapping/>
+  </p:clrMapOvr>
+</p:sld>
+</file>
+
+<file path=ppt/slides/slide7.xml><?xml version="1.0" encoding="utf-8"?>
+<p:sld xmlns:a="http://schemas.openxmlformats.org/drawingml/2006/main" xmlns:r="http://schemas.openxmlformats.org/officeDocument/2006/relationships" xmlns:p="http://schemas.openxmlformats.org/presentationml/2006/main">
+  <p:cSld>
+    <p:spTree>
+      <p:nvGrpSpPr>
+        <p:cNvPr id="1" name=""/>
+        <p:cNvGrpSpPr/>
+        <p:nvPr/>
+      </p:nvGrpSpPr>
+      <p:grpSpPr>
+        <a:xfrm>
+          <a:off x="0" y="0"/>
+          <a:ext cx="0" cy="0"/>
+          <a:chOff x="0" y="0"/>
+          <a:chExt cx="0" cy="0"/>
+        </a:xfrm>
+      </p:grpSpPr>
+      <p:sp>
+        <p:nvSpPr>
+          <p:cNvPr id="2" name="Titolo 1"/>
+          <p:cNvSpPr>
+            <a:spLocks noGrp="1"/>
+          </p:cNvSpPr>
+          <p:nvPr>
+            <p:ph type="title"/>
+          </p:nvPr>
+        </p:nvSpPr>
+        <p:spPr/>
+        <p:txBody>
+          <a:bodyPr/>
+          <a:lstStyle/>
+          <a:p>
+            <a:r>
+              <a:rPr lang="it-IT" dirty="0" smtClean="0"/>
+              <a:t>Indice</a:t>
+            </a:r>
+            <a:endParaRPr lang="it-IT" dirty="0"/>
+          </a:p>
+        </p:txBody>
+      </p:sp>
+      <p:sp>
+        <p:nvSpPr>
+          <p:cNvPr id="3" name="Segnaposto contenuto 2"/>
+          <p:cNvSpPr>
+            <a:spLocks noGrp="1"/>
+          </p:cNvSpPr>
+          <p:nvPr>
+            <p:ph idx="1"/>
+          </p:nvPr>
+        </p:nvSpPr>
+        <p:spPr/>
+        <p:txBody>
+          <a:bodyPr/>
+          <a:lstStyle/>
+          <a:p>
+            <a:r>
+              <a:rPr lang="it-IT" sz="2400" dirty="0" smtClean="0">
+                <a:solidFill>
+                  <a:schemeClr val="bg2">
+                    <a:lumMod val="40000"/>
+                    <a:lumOff val="60000"/>
+                  </a:schemeClr>
+                </a:solidFill>
+              </a:rPr>
+              <a:t>Cos’è l’interferometria</a:t>
+            </a:r>
+          </a:p>
+          <a:p>
+            <a:pPr lvl="1"/>
+            <a:r>
+              <a:rPr lang="it-IT" sz="2000" dirty="0" smtClean="0">
+                <a:solidFill>
+                  <a:schemeClr val="bg2">
+                    <a:lumMod val="40000"/>
+                    <a:lumOff val="60000"/>
+                  </a:schemeClr>
+                </a:solidFill>
+              </a:rPr>
+              <a:t>Interferometria tradizionale</a:t>
+            </a:r>
+          </a:p>
+          <a:p>
+            <a:pPr lvl="1"/>
+            <a:r>
+              <a:rPr lang="it-IT" sz="2000" dirty="0" smtClean="0">
+                <a:solidFill>
+                  <a:schemeClr val="bg2">
+                    <a:lumMod val="40000"/>
+                    <a:lumOff val="60000"/>
+                  </a:schemeClr>
+                </a:solidFill>
+              </a:rPr>
+              <a:t>Interferometria a self-mixing</a:t>
+            </a:r>
+          </a:p>
+          <a:p>
+            <a:r>
+              <a:rPr lang="it-IT" sz="2400" dirty="0" smtClean="0"/>
+              <a:t>Architettura </a:t>
+            </a:r>
+            <a:r>
+              <a:rPr lang="it-IT" sz="2400" dirty="0" smtClean="0"/>
+              <a:t>hardware</a:t>
+            </a:r>
+          </a:p>
+          <a:p>
+            <a:pPr lvl="1"/>
+            <a:r>
+              <a:rPr lang="it-IT" sz="2000" dirty="0" smtClean="0"/>
+              <a:t>Parte </a:t>
+            </a:r>
+            <a:r>
+              <a:rPr lang="it-IT" sz="2000" dirty="0" smtClean="0"/>
+              <a:t>analogica</a:t>
+            </a:r>
+          </a:p>
+          <a:p>
+            <a:pPr lvl="1"/>
+            <a:r>
+              <a:rPr lang="it-IT" sz="2000" dirty="0" smtClean="0"/>
+              <a:t>Parte </a:t>
+            </a:r>
+            <a:r>
+              <a:rPr lang="it-IT" sz="2000" dirty="0" smtClean="0"/>
+              <a:t>digitale</a:t>
+            </a:r>
+          </a:p>
+          <a:p>
+            <a:pPr lvl="1"/>
+            <a:r>
+              <a:rPr lang="it-IT" sz="2000" dirty="0" smtClean="0"/>
+              <a:t>Scheda di conversione</a:t>
+            </a:r>
+            <a:endParaRPr lang="it-IT" sz="2000" dirty="0" smtClean="0"/>
+          </a:p>
+          <a:p>
+            <a:r>
+              <a:rPr lang="it-IT" sz="2400" dirty="0" smtClean="0"/>
+              <a:t>Architettura </a:t>
+            </a:r>
+            <a:r>
+              <a:rPr lang="it-IT" sz="2400" dirty="0" smtClean="0"/>
+              <a:t>software</a:t>
+            </a:r>
+            <a:endParaRPr lang="it-IT" sz="2400" dirty="0" smtClean="0"/>
+          </a:p>
+          <a:p>
+            <a:pPr lvl="1"/>
+            <a:r>
+              <a:rPr lang="it-IT" sz="2000" dirty="0" err="1" smtClean="0"/>
+              <a:t>Firmaware</a:t>
+            </a:r>
+            <a:r>
+              <a:rPr lang="it-IT" sz="2000" dirty="0" smtClean="0"/>
+              <a:t> FPGA</a:t>
+            </a:r>
+          </a:p>
+          <a:p>
+            <a:pPr lvl="1"/>
+            <a:r>
+              <a:rPr lang="it-IT" sz="2000" dirty="0" err="1" smtClean="0"/>
+              <a:t>Firmaware</a:t>
+            </a:r>
+            <a:r>
+              <a:rPr lang="it-IT" sz="2000" dirty="0" smtClean="0"/>
+              <a:t> </a:t>
+            </a:r>
+            <a:r>
+              <a:rPr lang="it-IT" sz="2000" dirty="0" smtClean="0"/>
+              <a:t>microcontrollore</a:t>
+            </a:r>
+          </a:p>
+          <a:p>
+            <a:pPr lvl="1"/>
+            <a:r>
+              <a:rPr lang="it-IT" sz="2000" dirty="0" smtClean="0"/>
+              <a:t>Analisi degli algoritmi</a:t>
+            </a:r>
+            <a:endParaRPr lang="it-IT" sz="2000" dirty="0" smtClean="0"/>
+          </a:p>
+          <a:p>
+            <a:r>
+              <a:rPr lang="it-IT" sz="2400" dirty="0"/>
+              <a:t>Risultati sperimentali</a:t>
+            </a:r>
+          </a:p>
+          <a:p>
+            <a:r>
+              <a:rPr lang="it-IT" sz="2400" dirty="0"/>
+              <a:t>Sviluppi futuri e conclusioni</a:t>
+            </a:r>
+          </a:p>
+        </p:txBody>
+      </p:sp>
+      <p:sp>
+        <p:nvSpPr>
+          <p:cNvPr id="4" name="Segnaposto numero diapositiva 3"/>
+          <p:cNvSpPr>
+            <a:spLocks noGrp="1"/>
+          </p:cNvSpPr>
+          <p:nvPr>
+            <p:ph type="sldNum" sz="quarter" idx="11"/>
+          </p:nvPr>
+        </p:nvSpPr>
+        <p:spPr/>
+        <p:txBody>
+          <a:bodyPr/>
+          <a:lstStyle/>
+          <a:p>
+            <a:fld id="{C503DA3A-0C6B-48FC-931E-2C786AAFD5C1}" type="slidenum">
+              <a:rPr lang="en-US" altLang="nl-NL" smtClean="0"/>
+              <a:pPr/>
+              <a:t>7</a:t>
+            </a:fld>
+            <a:endParaRPr lang="en-US" altLang="nl-NL"/>
+          </a:p>
+        </p:txBody>
+      </p:sp>
+    </p:spTree>
+    <p:extLst>
+      <p:ext uri="{BB962C8B-B14F-4D97-AF65-F5344CB8AC3E}">
+        <p14:creationId xmlns:p14="http://schemas.microsoft.com/office/powerpoint/2010/main" val="1084510834"/>
+      </p:ext>
+    </p:extLst>
+  </p:cSld>
+  <p:clrMapOvr>
+    <a:masterClrMapping/>
+  </p:clrMapOvr>
+</p:sld>
+</file>
+
+<file path=ppt/slides/slide8.xml><?xml version="1.0" encoding="utf-8"?>
+<p:sld xmlns:a="http://schemas.openxmlformats.org/drawingml/2006/main" xmlns:r="http://schemas.openxmlformats.org/officeDocument/2006/relationships" xmlns:p="http://schemas.openxmlformats.org/presentationml/2006/main">
+  <p:cSld>
+    <p:spTree>
+      <p:nvGrpSpPr>
+        <p:cNvPr id="1" name=""/>
+        <p:cNvGrpSpPr/>
+        <p:nvPr/>
+      </p:nvGrpSpPr>
+      <p:grpSpPr>
+        <a:xfrm>
+          <a:off x="0" y="0"/>
+          <a:ext cx="0" cy="0"/>
+          <a:chOff x="0" y="0"/>
+          <a:chExt cx="0" cy="0"/>
+        </a:xfrm>
+      </p:grpSpPr>
+      <p:sp>
+        <p:nvSpPr>
+          <p:cNvPr id="2" name="Titolo 1"/>
+          <p:cNvSpPr>
+            <a:spLocks noGrp="1"/>
+          </p:cNvSpPr>
+          <p:nvPr>
+            <p:ph type="title"/>
+          </p:nvPr>
+        </p:nvSpPr>
+        <p:spPr/>
+        <p:txBody>
+          <a:bodyPr/>
+          <a:lstStyle/>
+          <a:p>
+            <a:r>
+              <a:rPr lang="it-IT" dirty="0" smtClean="0"/>
+              <a:t>Architettura hardware</a:t>
+            </a:r>
+            <a:endParaRPr lang="it-IT" dirty="0"/>
+          </a:p>
+        </p:txBody>
+      </p:sp>
+      <p:sp>
+        <p:nvSpPr>
+          <p:cNvPr id="3" name="Segnaposto contenuto 2"/>
+          <p:cNvSpPr>
+            <a:spLocks noGrp="1"/>
+          </p:cNvSpPr>
+          <p:nvPr>
+            <p:ph idx="1"/>
+          </p:nvPr>
+        </p:nvSpPr>
+        <p:spPr/>
+        <p:txBody>
+          <a:bodyPr/>
+          <a:lstStyle/>
+          <a:p>
+            <a:r>
+              <a:rPr lang="it-IT" sz="2400" dirty="0" smtClean="0"/>
+              <a:t>Lo strumento è formato da una parte analogica, sviluppata internamente al laboratorio dall’ing. Samuele Disegna, e da una parte digitale, fornita da National Instruments.</a:t>
+            </a:r>
+          </a:p>
+          <a:p>
+            <a:r>
+              <a:rPr lang="it-IT" sz="2400" dirty="0" smtClean="0"/>
+              <a:t>La parte analogica si occupa (??)</a:t>
+            </a:r>
+          </a:p>
+          <a:p>
+            <a:r>
+              <a:rPr lang="it-IT" sz="2400" dirty="0" smtClean="0"/>
+              <a:t>La parte digitale si occupa dell’elaborazione numerica del segnale acquisito</a:t>
+            </a:r>
+          </a:p>
+          <a:p>
+            <a:r>
+              <a:rPr lang="it-IT" sz="2400" dirty="0" smtClean="0"/>
+              <a:t>I due mondi sono interfacciati da una scheda di conversione, equipaggiata con un DAC ed un ADC comandati dalla scheda digitale.</a:t>
+            </a:r>
+            <a:endParaRPr lang="it-IT" sz="2400" dirty="0"/>
+          </a:p>
+        </p:txBody>
+      </p:sp>
+      <p:sp>
+        <p:nvSpPr>
+          <p:cNvPr id="4" name="Segnaposto numero diapositiva 3"/>
+          <p:cNvSpPr>
+            <a:spLocks noGrp="1"/>
+          </p:cNvSpPr>
+          <p:nvPr>
+            <p:ph type="sldNum" sz="quarter" idx="11"/>
+          </p:nvPr>
+        </p:nvSpPr>
+        <p:spPr/>
+        <p:txBody>
+          <a:bodyPr/>
+          <a:lstStyle/>
+          <a:p>
+            <a:fld id="{C503DA3A-0C6B-48FC-931E-2C786AAFD5C1}" type="slidenum">
+              <a:rPr lang="en-US" altLang="nl-NL" smtClean="0"/>
+              <a:pPr/>
+              <a:t>8</a:t>
+            </a:fld>
+            <a:endParaRPr lang="en-US" altLang="nl-NL"/>
+          </a:p>
+        </p:txBody>
+      </p:sp>
+    </p:spTree>
+    <p:extLst>
+      <p:ext uri="{BB962C8B-B14F-4D97-AF65-F5344CB8AC3E}">
+        <p14:creationId xmlns:p14="http://schemas.microsoft.com/office/powerpoint/2010/main" val="161935272"/>
+      </p:ext>
+    </p:extLst>
+  </p:cSld>
+  <p:clrMapOvr>
+    <a:masterClrMapping/>
+  </p:clrMapOvr>
+</p:sld>
+</file>
+
+<file path=ppt/slides/slide9.xml><?xml version="1.0" encoding="utf-8"?>
+<p:sld xmlns:a="http://schemas.openxmlformats.org/drawingml/2006/main" xmlns:r="http://schemas.openxmlformats.org/officeDocument/2006/relationships" xmlns:p="http://schemas.openxmlformats.org/presentationml/2006/main">
+  <p:cSld>
+    <p:spTree>
+      <p:nvGrpSpPr>
+        <p:cNvPr id="1" name=""/>
+        <p:cNvGrpSpPr/>
+        <p:nvPr/>
+      </p:nvGrpSpPr>
+      <p:grpSpPr>
+        <a:xfrm>
+          <a:off x="0" y="0"/>
+          <a:ext cx="0" cy="0"/>
+          <a:chOff x="0" y="0"/>
+          <a:chExt cx="0" cy="0"/>
+        </a:xfrm>
+      </p:grpSpPr>
+      <p:sp>
+        <p:nvSpPr>
+          <p:cNvPr id="2" name="Titolo 1"/>
+          <p:cNvSpPr>
+            <a:spLocks noGrp="1"/>
+          </p:cNvSpPr>
+          <p:nvPr>
+            <p:ph type="title"/>
+          </p:nvPr>
+        </p:nvSpPr>
+        <p:spPr/>
+        <p:txBody>
+          <a:bodyPr/>
+          <a:lstStyle/>
+          <a:p>
+            <a:r>
+              <a:rPr lang="it-IT" dirty="0" smtClean="0"/>
+              <a:t>Parte analogica</a:t>
+            </a:r>
+            <a:endParaRPr lang="it-IT" dirty="0"/>
+          </a:p>
+        </p:txBody>
+      </p:sp>
+      <p:sp>
+        <p:nvSpPr>
+          <p:cNvPr id="3" name="Segnaposto contenuto 2"/>
+          <p:cNvSpPr>
+            <a:spLocks noGrp="1"/>
+          </p:cNvSpPr>
+          <p:nvPr>
+            <p:ph idx="1"/>
+          </p:nvPr>
+        </p:nvSpPr>
+        <p:spPr/>
+        <p:txBody>
+          <a:bodyPr/>
+          <a:lstStyle/>
+          <a:p>
+            <a:r>
+              <a:rPr lang="it-IT" dirty="0" smtClean="0"/>
+              <a:t>TODO</a:t>
+            </a:r>
+            <a:endParaRPr lang="it-IT" dirty="0"/>
+          </a:p>
+        </p:txBody>
+      </p:sp>
+      <p:sp>
+        <p:nvSpPr>
+          <p:cNvPr id="4" name="Segnaposto numero diapositiva 3"/>
+          <p:cNvSpPr>
+            <a:spLocks noGrp="1"/>
+          </p:cNvSpPr>
+          <p:nvPr>
+            <p:ph type="sldNum" sz="quarter" idx="11"/>
+          </p:nvPr>
+        </p:nvSpPr>
+        <p:spPr/>
+        <p:txBody>
+          <a:bodyPr/>
+          <a:lstStyle/>
+          <a:p>
+            <a:fld id="{C503DA3A-0C6B-48FC-931E-2C786AAFD5C1}" type="slidenum">
+              <a:rPr lang="en-US" altLang="nl-NL" smtClean="0"/>
+              <a:pPr/>
+              <a:t>9</a:t>
+            </a:fld>
+            <a:endParaRPr lang="en-US" altLang="nl-NL"/>
+          </a:p>
+        </p:txBody>
+      </p:sp>
+    </p:spTree>
+    <p:extLst>
+      <p:ext uri="{BB962C8B-B14F-4D97-AF65-F5344CB8AC3E}">
+        <p14:creationId xmlns:p14="http://schemas.microsoft.com/office/powerpoint/2010/main" val="1662984036"/>
       </p:ext>
     </p:extLst>
   </p:cSld>
@@ -7785,12 +10527,6 @@
 </file>
 
 <file path=customXml/item2.xml><?xml version="1.0" encoding="utf-8"?>
-<p:properties xmlns:p="http://schemas.microsoft.com/office/2006/metadata/properties" xmlns:xsi="http://www.w3.org/2001/XMLSchema-instance" xmlns:pc="http://schemas.microsoft.com/office/infopath/2007/PartnerControls">
-  <documentManagement/>
-</p:properties>
-</file>
-
-<file path=customXml/item3.xml><?xml version="1.0" encoding="utf-8"?>
 <ct:contentTypeSchema xmlns:ct="http://schemas.microsoft.com/office/2006/metadata/contentType" xmlns:ma="http://schemas.microsoft.com/office/2006/metadata/properties/metaAttributes" ct:_="" ma:_="" ma:contentTypeName="Documento" ma:contentTypeID="0x010100DAC9E95AF84DC048A0D22167E412CEEC" ma:contentTypeVersion="0" ma:contentTypeDescription="Creare un nuovo documento." ma:contentTypeScope="" ma:versionID="77ab65c81d73c7b1811619c89623d2b9">
   <xsd:schema xmlns:xsd="http://www.w3.org/2001/XMLSchema" xmlns:xs="http://www.w3.org/2001/XMLSchema" xmlns:p="http://schemas.microsoft.com/office/2006/metadata/properties" targetNamespace="http://schemas.microsoft.com/office/2006/metadata/properties" ma:root="true" ma:fieldsID="8bf72f36140baa73d0623520154f6aaf">
     <xsd:element name="properties">
@@ -7904,6 +10640,12 @@
 </ct:contentTypeSchema>
 </file>
 
+<file path=customXml/item3.xml><?xml version="1.0" encoding="utf-8"?>
+<p:properties xmlns:p="http://schemas.microsoft.com/office/2006/metadata/properties" xmlns:xsi="http://www.w3.org/2001/XMLSchema-instance" xmlns:pc="http://schemas.microsoft.com/office/infopath/2007/PartnerControls">
+  <documentManagement/>
+</p:properties>
+</file>
+
 <file path=customXml/itemProps1.xml><?xml version="1.0" encoding="utf-8"?>
 <ds:datastoreItem xmlns:ds="http://schemas.openxmlformats.org/officeDocument/2006/customXml" ds:itemID="{642F071F-C090-42AB-8A40-E3A3A8F01244}">
   <ds:schemaRefs>
@@ -7913,15 +10655,6 @@
 </file>
 
 <file path=customXml/itemProps2.xml><?xml version="1.0" encoding="utf-8"?>
-<ds:datastoreItem xmlns:ds="http://schemas.openxmlformats.org/officeDocument/2006/customXml" ds:itemID="{D68A92BA-7E37-44ED-84AE-4BD8BD74DC1F}">
-  <ds:schemaRefs>
-    <ds:schemaRef ds:uri="http://schemas.microsoft.com/office/2006/metadata/properties"/>
-    <ds:schemaRef ds:uri="http://schemas.microsoft.com/office/infopath/2007/PartnerControls"/>
-  </ds:schemaRefs>
-</ds:datastoreItem>
-</file>
-
-<file path=customXml/itemProps3.xml><?xml version="1.0" encoding="utf-8"?>
 <ds:datastoreItem xmlns:ds="http://schemas.openxmlformats.org/officeDocument/2006/customXml" ds:itemID="{B0C5135E-7452-41DD-A4B7-B217190CFF89}">
   <ds:schemaRefs>
     <ds:schemaRef ds:uri="http://schemas.microsoft.com/office/2006/metadata/contentType"/>
@@ -7935,4 +10668,13 @@
     <ds:schemaRef ds:uri="http://schemas.microsoft.com/office/infopath/2007/PartnerControls"/>
   </ds:schemaRefs>
 </ds:datastoreItem>
+</file>
+
+<file path=customXml/itemProps3.xml><?xml version="1.0" encoding="utf-8"?>
+<ds:datastoreItem xmlns:ds="http://schemas.openxmlformats.org/officeDocument/2006/customXml" ds:itemID="{D68A92BA-7E37-44ED-84AE-4BD8BD74DC1F}">
+  <ds:schemaRefs>
+    <ds:schemaRef ds:uri="http://schemas.microsoft.com/office/2006/metadata/properties"/>
+    <ds:schemaRef ds:uri="http://schemas.microsoft.com/office/infopath/2007/PartnerControls"/>
+  </ds:schemaRefs>
+</ds:datastoreItem>
 </file>